--- a/aas_2018_cnm.pptx
+++ b/aas_2018_cnm.pptx
@@ -288,7 +288,7 @@
           <a:p>
             <a:fld id="{125C00E5-E059-184D-A918-4675B9DE6888}" type="datetimeFigureOut">
               <a:rPr lang="en-US" smtClean="0"/>
-              <a:t>11/30/17</a:t>
+              <a:t>12/1/17</a:t>
             </a:fld>
             <a:endParaRPr lang="en-US"/>
           </a:p>
@@ -458,7 +458,7 @@
           <a:p>
             <a:fld id="{125C00E5-E059-184D-A918-4675B9DE6888}" type="datetimeFigureOut">
               <a:rPr lang="en-US" smtClean="0"/>
-              <a:t>11/30/17</a:t>
+              <a:t>12/1/17</a:t>
             </a:fld>
             <a:endParaRPr lang="en-US"/>
           </a:p>
@@ -638,7 +638,7 @@
           <a:p>
             <a:fld id="{125C00E5-E059-184D-A918-4675B9DE6888}" type="datetimeFigureOut">
               <a:rPr lang="en-US" smtClean="0"/>
-              <a:t>11/30/17</a:t>
+              <a:t>12/1/17</a:t>
             </a:fld>
             <a:endParaRPr lang="en-US"/>
           </a:p>
@@ -808,7 +808,7 @@
           <a:p>
             <a:fld id="{125C00E5-E059-184D-A918-4675B9DE6888}" type="datetimeFigureOut">
               <a:rPr lang="en-US" smtClean="0"/>
-              <a:t>11/30/17</a:t>
+              <a:t>12/1/17</a:t>
             </a:fld>
             <a:endParaRPr lang="en-US"/>
           </a:p>
@@ -1054,7 +1054,7 @@
           <a:p>
             <a:fld id="{125C00E5-E059-184D-A918-4675B9DE6888}" type="datetimeFigureOut">
               <a:rPr lang="en-US" smtClean="0"/>
-              <a:t>11/30/17</a:t>
+              <a:t>12/1/17</a:t>
             </a:fld>
             <a:endParaRPr lang="en-US"/>
           </a:p>
@@ -1342,7 +1342,7 @@
           <a:p>
             <a:fld id="{125C00E5-E059-184D-A918-4675B9DE6888}" type="datetimeFigureOut">
               <a:rPr lang="en-US" smtClean="0"/>
-              <a:t>11/30/17</a:t>
+              <a:t>12/1/17</a:t>
             </a:fld>
             <a:endParaRPr lang="en-US"/>
           </a:p>
@@ -1769,7 +1769,7 @@
           <a:p>
             <a:fld id="{125C00E5-E059-184D-A918-4675B9DE6888}" type="datetimeFigureOut">
               <a:rPr lang="en-US" smtClean="0"/>
-              <a:t>11/30/17</a:t>
+              <a:t>12/1/17</a:t>
             </a:fld>
             <a:endParaRPr lang="en-US"/>
           </a:p>
@@ -1887,7 +1887,7 @@
           <a:p>
             <a:fld id="{125C00E5-E059-184D-A918-4675B9DE6888}" type="datetimeFigureOut">
               <a:rPr lang="en-US" smtClean="0"/>
-              <a:t>11/30/17</a:t>
+              <a:t>12/1/17</a:t>
             </a:fld>
             <a:endParaRPr lang="en-US"/>
           </a:p>
@@ -1982,7 +1982,7 @@
           <a:p>
             <a:fld id="{125C00E5-E059-184D-A918-4675B9DE6888}" type="datetimeFigureOut">
               <a:rPr lang="en-US" smtClean="0"/>
-              <a:t>11/30/17</a:t>
+              <a:t>12/1/17</a:t>
             </a:fld>
             <a:endParaRPr lang="en-US"/>
           </a:p>
@@ -2259,7 +2259,7 @@
           <a:p>
             <a:fld id="{125C00E5-E059-184D-A918-4675B9DE6888}" type="datetimeFigureOut">
               <a:rPr lang="en-US" smtClean="0"/>
-              <a:t>11/30/17</a:t>
+              <a:t>12/1/17</a:t>
             </a:fld>
             <a:endParaRPr lang="en-US"/>
           </a:p>
@@ -2512,7 +2512,7 @@
           <a:p>
             <a:fld id="{125C00E5-E059-184D-A918-4675B9DE6888}" type="datetimeFigureOut">
               <a:rPr lang="en-US" smtClean="0"/>
-              <a:t>11/30/17</a:t>
+              <a:t>12/1/17</a:t>
             </a:fld>
             <a:endParaRPr lang="en-US"/>
           </a:p>
@@ -2725,7 +2725,7 @@
           <a:p>
             <a:fld id="{125C00E5-E059-184D-A918-4675B9DE6888}" type="datetimeFigureOut">
               <a:rPr lang="en-US" smtClean="0"/>
-              <a:t>11/30/17</a:t>
+              <a:t>12/1/17</a:t>
             </a:fld>
             <a:endParaRPr lang="en-US"/>
           </a:p>
@@ -3100,6 +3100,66 @@
           <a:chExt cx="0" cy="0"/>
         </a:xfrm>
       </p:grpSpPr>
+      <p:pic>
+        <p:nvPicPr>
+          <p:cNvPr id="5" name="Picture 4" descr="APPSS_ALFALFA_vsys.pdf"/>
+          <p:cNvPicPr>
+            <a:picLocks noChangeAspect="1"/>
+          </p:cNvPicPr>
+          <p:nvPr/>
+        </p:nvPicPr>
+        <p:blipFill>
+          <a:blip r:embed="rId2">
+            <a:extLst>
+              <a:ext uri="{28A0092B-C50C-407E-A947-70E740481C1C}">
+                <a14:useLocalDpi xmlns:a14="http://schemas.microsoft.com/office/drawing/2010/main" val="0"/>
+              </a:ext>
+            </a:extLst>
+          </a:blip>
+          <a:stretch>
+            <a:fillRect/>
+          </a:stretch>
+        </p:blipFill>
+        <p:spPr>
+          <a:xfrm>
+            <a:off x="959009" y="9064389"/>
+            <a:ext cx="8143507" cy="2714502"/>
+          </a:xfrm>
+          <a:prstGeom prst="rect">
+            <a:avLst/>
+          </a:prstGeom>
+        </p:spPr>
+      </p:pic>
+      <p:pic>
+        <p:nvPicPr>
+          <p:cNvPr id="4" name="Picture 3" descr="APPSS_ALFALFA.pdf"/>
+          <p:cNvPicPr>
+            <a:picLocks noChangeAspect="1"/>
+          </p:cNvPicPr>
+          <p:nvPr/>
+        </p:nvPicPr>
+        <p:blipFill>
+          <a:blip r:embed="rId3">
+            <a:extLst>
+              <a:ext uri="{28A0092B-C50C-407E-A947-70E740481C1C}">
+                <a14:useLocalDpi xmlns:a14="http://schemas.microsoft.com/office/drawing/2010/main" val="0"/>
+              </a:ext>
+            </a:extLst>
+          </a:blip>
+          <a:stretch>
+            <a:fillRect/>
+          </a:stretch>
+        </p:blipFill>
+        <p:spPr>
+          <a:xfrm>
+            <a:off x="959009" y="6304509"/>
+            <a:ext cx="8143507" cy="2759880"/>
+          </a:xfrm>
+          <a:prstGeom prst="rect">
+            <a:avLst/>
+          </a:prstGeom>
+        </p:spPr>
+      </p:pic>
       <p:sp>
         <p:nvSpPr>
           <p:cNvPr id="8" name="Text Box 4"/>
@@ -3579,8 +3639,8 @@
         </p:nvSpPr>
         <p:spPr>
           <a:xfrm>
-            <a:off x="3168965" y="5814144"/>
-            <a:ext cx="3543300" cy="1477321"/>
+            <a:off x="959008" y="5453811"/>
+            <a:ext cx="8143507" cy="1754320"/>
           </a:xfrm>
           <a:prstGeom prst="rect">
             <a:avLst/>
@@ -3594,15 +3654,32 @@
           <a:p>
             <a:pPr algn="ctr"/>
             <a:r>
-              <a:rPr lang="en-US" sz="5400" b="1" baseline="0" dirty="0">
-                <a:solidFill>
-                  <a:srgbClr val="000000"/>
-                </a:solidFill>
-                <a:latin typeface="Times New Roman"/>
-                <a:cs typeface="Times New Roman"/>
-              </a:rPr>
-              <a:t>APPSS</a:t>
-            </a:r>
+              <a:rPr lang="en-US" sz="5400" b="1" dirty="0" err="1" smtClean="0">
+                <a:solidFill>
+                  <a:srgbClr val="000000"/>
+                </a:solidFill>
+                <a:latin typeface="Times New Roman"/>
+                <a:cs typeface="Times New Roman"/>
+              </a:rPr>
+              <a:t>Declincation</a:t>
+            </a:r>
+            <a:r>
+              <a:rPr lang="en-US" sz="5400" b="1" dirty="0" smtClean="0">
+                <a:solidFill>
+                  <a:srgbClr val="000000"/>
+                </a:solidFill>
+                <a:latin typeface="Times New Roman"/>
+                <a:cs typeface="Times New Roman"/>
+              </a:rPr>
+              <a:t> Strip 35</a:t>
+            </a:r>
+            <a:endParaRPr lang="en-US" sz="5400" b="1" baseline="0" dirty="0">
+              <a:solidFill>
+                <a:srgbClr val="000000"/>
+              </a:solidFill>
+              <a:latin typeface="Times New Roman"/>
+              <a:cs typeface="Times New Roman"/>
+            </a:endParaRPr>
           </a:p>
           <a:p>
             <a:pPr algn="ctr"/>
@@ -3655,7 +3732,7 @@
           <p:nvPr/>
         </p:nvPicPr>
         <p:blipFill>
-          <a:blip r:embed="rId2">
+          <a:blip r:embed="rId4">
             <a:extLst>
               <a:ext uri="{28A0092B-C50C-407E-A947-70E740481C1C}">
                 <a14:useLocalDpi xmlns:a14="http://schemas.microsoft.com/office/drawing/2010/main"/>
@@ -3685,7 +3762,7 @@
           <p:nvPr/>
         </p:nvPicPr>
         <p:blipFill>
-          <a:blip r:embed="rId3" cstate="print">
+          <a:blip r:embed="rId5" cstate="print">
             <a:extLst>
               <a:ext uri="{28A0092B-C50C-407E-A947-70E740481C1C}">
                 <a14:useLocalDpi xmlns:a14="http://schemas.microsoft.com/office/drawing/2010/main"/>
@@ -3700,466 +3777,6 @@
           <a:xfrm>
             <a:off x="34351023" y="3090233"/>
             <a:ext cx="1590961" cy="1590961"/>
-          </a:xfrm>
-          <a:prstGeom prst="rect">
-            <a:avLst/>
-          </a:prstGeom>
-        </p:spPr>
-      </p:pic>
-      <p:sp>
-        <p:nvSpPr>
-          <p:cNvPr id="50" name="TextBox 49"/>
-          <p:cNvSpPr txBox="1"/>
-          <p:nvPr/>
-        </p:nvSpPr>
-        <p:spPr>
-          <a:xfrm>
-            <a:off x="10963729" y="6931132"/>
-            <a:ext cx="16514900" cy="9140957"/>
-          </a:xfrm>
-          <a:prstGeom prst="rect">
-            <a:avLst/>
-          </a:prstGeom>
-          <a:noFill/>
-        </p:spPr>
-        <p:txBody>
-          <a:bodyPr wrap="square" lIns="91433" tIns="45717" rIns="91433" bIns="45717" rtlCol="0">
-            <a:spAutoFit/>
-          </a:bodyPr>
-          <a:lstStyle/>
-          <a:p>
-            <a:pPr algn="just"/>
-            <a:r>
-              <a:rPr lang="en-US" sz="2800" b="1" baseline="0" dirty="0">
-                <a:solidFill>
-                  <a:schemeClr val="accent4">
-                    <a:lumMod val="10000"/>
-                  </a:schemeClr>
-                </a:solidFill>
-                <a:latin typeface="Times New Roman"/>
-                <a:cs typeface="Times New Roman"/>
-              </a:rPr>
-              <a:t>The NSF-sponsored Undergraduate ALFALFA (Arecibo Legacy Fast ALFA) Team (UAT) is a consortium of 20 institutions across the US and Puerto Rico, founded to promote undergraduate research and faculty development within the extragalactic ALFALFA HI blind survey project and follow-up programs. The objective of the UAT is to provide opportunities for its members to develop expertise in the technical aspects of observational radio spectroscopy, its associated data analysis, and the motivating science. Partnering with Arecibo Observatory, the UAT has worked with more than 280 undergraduates and 26 faculty to date, offering 8 workshops onsite at Arecibo (148 undergraduates), observing runs at Arecibo </a:t>
-            </a:r>
-            <a:r>
-              <a:rPr lang="en-US" sz="2800" b="1" baseline="0" dirty="0" smtClean="0">
-                <a:solidFill>
-                  <a:schemeClr val="accent4">
-                    <a:lumMod val="10000"/>
-                  </a:schemeClr>
-                </a:solidFill>
-                <a:latin typeface="Times New Roman"/>
-                <a:cs typeface="Times New Roman"/>
-              </a:rPr>
-              <a:t>(</a:t>
-            </a:r>
-            <a:r>
-              <a:rPr lang="en-US" sz="2800" b="1" dirty="0" smtClean="0">
-                <a:solidFill>
-                  <a:schemeClr val="accent4">
-                    <a:lumMod val="10000"/>
-                  </a:schemeClr>
-                </a:solidFill>
-                <a:latin typeface="Times New Roman"/>
-                <a:cs typeface="Times New Roman"/>
-              </a:rPr>
-              <a:t>81</a:t>
-            </a:r>
-            <a:r>
-              <a:rPr lang="en-US" sz="2800" b="1" baseline="0" dirty="0" smtClean="0">
-                <a:solidFill>
-                  <a:schemeClr val="accent4">
-                    <a:lumMod val="10000"/>
-                  </a:schemeClr>
-                </a:solidFill>
-                <a:latin typeface="Times New Roman"/>
-                <a:cs typeface="Times New Roman"/>
-              </a:rPr>
-              <a:t> </a:t>
-            </a:r>
-            <a:r>
-              <a:rPr lang="en-US" sz="2800" b="1" baseline="0" dirty="0">
-                <a:solidFill>
-                  <a:schemeClr val="accent4">
-                    <a:lumMod val="10000"/>
-                  </a:schemeClr>
-                </a:solidFill>
-                <a:latin typeface="Times New Roman"/>
-                <a:cs typeface="Times New Roman"/>
-              </a:rPr>
-              <a:t>undergraduates), remote observing runs on campus, undergraduate research projects based on Arecibo science </a:t>
-            </a:r>
-            <a:r>
-              <a:rPr lang="en-US" sz="2800" b="1" baseline="0" dirty="0" smtClean="0">
-                <a:solidFill>
-                  <a:schemeClr val="accent4">
-                    <a:lumMod val="10000"/>
-                  </a:schemeClr>
-                </a:solidFill>
-                <a:latin typeface="Times New Roman"/>
-                <a:cs typeface="Times New Roman"/>
-              </a:rPr>
-              <a:t>(133 academic </a:t>
-            </a:r>
-            <a:r>
-              <a:rPr lang="en-US" sz="2800" b="1" baseline="0" dirty="0">
-                <a:solidFill>
-                  <a:schemeClr val="accent4">
-                    <a:lumMod val="10000"/>
-                  </a:schemeClr>
-                </a:solidFill>
-                <a:latin typeface="Times New Roman"/>
-                <a:cs typeface="Times New Roman"/>
-              </a:rPr>
-              <a:t>year and 185 summer projects), and presentation of results at national meetings such as the AAS </a:t>
-            </a:r>
-            <a:r>
-              <a:rPr lang="en-US" sz="2800" b="1" baseline="0" dirty="0">
-                <a:solidFill>
-                  <a:srgbClr val="000000"/>
-                </a:solidFill>
-                <a:latin typeface="Times New Roman"/>
-                <a:cs typeface="Times New Roman"/>
-              </a:rPr>
-              <a:t>(at AAS229: Ball et al., </a:t>
-            </a:r>
-            <a:r>
-              <a:rPr lang="en-US" sz="2800" b="1" baseline="0" dirty="0" smtClean="0">
-                <a:solidFill>
-                  <a:srgbClr val="000000"/>
-                </a:solidFill>
-                <a:latin typeface="Times New Roman"/>
-                <a:cs typeface="Times New Roman"/>
-              </a:rPr>
-              <a:t>Davis </a:t>
-            </a:r>
-            <a:r>
-              <a:rPr lang="en-US" sz="2800" b="1" baseline="0" dirty="0">
-                <a:solidFill>
-                  <a:srgbClr val="000000"/>
-                </a:solidFill>
-                <a:latin typeface="Times New Roman"/>
-                <a:cs typeface="Times New Roman"/>
-              </a:rPr>
-              <a:t>et al., </a:t>
-            </a:r>
-            <a:r>
-              <a:rPr lang="en-US" sz="2800" b="1" baseline="0" dirty="0" err="1">
-                <a:solidFill>
-                  <a:srgbClr val="000000"/>
-                </a:solidFill>
-                <a:latin typeface="Times New Roman"/>
-                <a:cs typeface="Times New Roman"/>
-              </a:rPr>
-              <a:t>Miazzo</a:t>
-            </a:r>
-            <a:r>
-              <a:rPr lang="en-US" sz="2800" b="1" baseline="0" dirty="0">
-                <a:solidFill>
-                  <a:srgbClr val="000000"/>
-                </a:solidFill>
-                <a:latin typeface="Times New Roman"/>
-                <a:cs typeface="Times New Roman"/>
-              </a:rPr>
-              <a:t> et al., </a:t>
-            </a:r>
-            <a:r>
-              <a:rPr lang="en-US" sz="2800" b="1" baseline="0" dirty="0" err="1">
-                <a:solidFill>
-                  <a:srgbClr val="000000"/>
-                </a:solidFill>
-                <a:latin typeface="Times New Roman"/>
-                <a:cs typeface="Times New Roman"/>
-              </a:rPr>
-              <a:t>Ruvolo</a:t>
-            </a:r>
-            <a:r>
-              <a:rPr lang="en-US" sz="2800" b="1" baseline="0" dirty="0">
-                <a:solidFill>
-                  <a:srgbClr val="000000"/>
-                </a:solidFill>
-                <a:latin typeface="Times New Roman"/>
-                <a:cs typeface="Times New Roman"/>
-              </a:rPr>
-              <a:t> et al, Singer et al., </a:t>
-            </a:r>
-            <a:r>
-              <a:rPr lang="en-US" sz="2800" b="1" baseline="0" dirty="0" err="1" smtClean="0">
-                <a:solidFill>
-                  <a:srgbClr val="000000"/>
-                </a:solidFill>
-                <a:latin typeface="Times New Roman"/>
-                <a:cs typeface="Times New Roman"/>
-              </a:rPr>
-              <a:t>Thoreen</a:t>
-            </a:r>
-            <a:r>
-              <a:rPr lang="en-US" sz="2800" b="1" baseline="0" dirty="0" smtClean="0">
-                <a:solidFill>
-                  <a:srgbClr val="000000"/>
-                </a:solidFill>
-                <a:latin typeface="Times New Roman"/>
-                <a:cs typeface="Times New Roman"/>
-              </a:rPr>
-              <a:t> et al., Cannon </a:t>
-            </a:r>
-            <a:r>
-              <a:rPr lang="en-US" sz="2800" b="1" baseline="0" dirty="0">
-                <a:solidFill>
-                  <a:srgbClr val="000000"/>
-                </a:solidFill>
-                <a:latin typeface="Times New Roman"/>
-                <a:cs typeface="Times New Roman"/>
-              </a:rPr>
-              <a:t>et al., Craig et al., </a:t>
-            </a:r>
-            <a:r>
-              <a:rPr lang="en-US" sz="2800" b="1" dirty="0">
-                <a:solidFill>
-                  <a:srgbClr val="000000"/>
-                </a:solidFill>
-                <a:latin typeface="Times New Roman"/>
-                <a:cs typeface="Times New Roman"/>
-              </a:rPr>
-              <a:t>Finn et al., </a:t>
-            </a:r>
-            <a:r>
-              <a:rPr lang="en-US" sz="2800" b="1" dirty="0" err="1" smtClean="0">
-                <a:solidFill>
-                  <a:srgbClr val="000000"/>
-                </a:solidFill>
-                <a:latin typeface="Times New Roman"/>
-                <a:cs typeface="Times New Roman"/>
-              </a:rPr>
-              <a:t>Hallenbeck</a:t>
-            </a:r>
-            <a:r>
-              <a:rPr lang="en-US" sz="2800" b="1" dirty="0" smtClean="0">
-                <a:solidFill>
-                  <a:srgbClr val="000000"/>
-                </a:solidFill>
-                <a:latin typeface="Times New Roman"/>
-                <a:cs typeface="Times New Roman"/>
-              </a:rPr>
-              <a:t> et al., Koopmann </a:t>
-            </a:r>
-            <a:r>
-              <a:rPr lang="en-US" sz="2800" b="1" baseline="0" dirty="0">
-                <a:solidFill>
-                  <a:srgbClr val="000000"/>
-                </a:solidFill>
-                <a:latin typeface="Times New Roman"/>
-                <a:cs typeface="Times New Roman"/>
-              </a:rPr>
-              <a:t>et al., </a:t>
-            </a:r>
-            <a:r>
-              <a:rPr lang="en-US" sz="2800" b="1" baseline="0" dirty="0" err="1">
-                <a:solidFill>
-                  <a:srgbClr val="000000"/>
-                </a:solidFill>
-                <a:latin typeface="Times New Roman"/>
-                <a:cs typeface="Times New Roman"/>
-              </a:rPr>
-              <a:t>O'Donoghue</a:t>
-            </a:r>
-            <a:r>
-              <a:rPr lang="en-US" sz="2800" b="1" baseline="0" dirty="0">
-                <a:solidFill>
-                  <a:srgbClr val="000000"/>
-                </a:solidFill>
-                <a:latin typeface="Times New Roman"/>
-                <a:cs typeface="Times New Roman"/>
-              </a:rPr>
-              <a:t> et al.)</a:t>
-            </a:r>
-            <a:r>
-              <a:rPr lang="en-US" sz="2800" b="1" baseline="0" dirty="0">
-                <a:solidFill>
-                  <a:schemeClr val="accent4">
-                    <a:lumMod val="10000"/>
-                  </a:schemeClr>
-                </a:solidFill>
-                <a:latin typeface="Times New Roman"/>
-                <a:cs typeface="Times New Roman"/>
-              </a:rPr>
-              <a:t>. 40% of the students and 45% of the faculty participants have been women and members of underrepresented groups. More than </a:t>
-            </a:r>
-            <a:r>
-              <a:rPr lang="en-US" sz="2800" b="1" baseline="0" dirty="0" smtClean="0">
-                <a:solidFill>
-                  <a:schemeClr val="accent4">
-                    <a:lumMod val="10000"/>
-                  </a:schemeClr>
-                </a:solidFill>
-                <a:latin typeface="Times New Roman"/>
-                <a:cs typeface="Times New Roman"/>
-              </a:rPr>
-              <a:t>85% </a:t>
-            </a:r>
-            <a:r>
-              <a:rPr lang="en-US" sz="2800" b="1" baseline="0" dirty="0">
-                <a:solidFill>
-                  <a:schemeClr val="accent4">
-                    <a:lumMod val="10000"/>
-                  </a:schemeClr>
-                </a:solidFill>
-                <a:latin typeface="Times New Roman"/>
-                <a:cs typeface="Times New Roman"/>
-              </a:rPr>
-              <a:t>of student alumni are attending graduate school and/or pursuing a career in STEM. 42% of those pursuing graduate degrees in Physics or Astronomy are women.</a:t>
-            </a:r>
-          </a:p>
-          <a:p>
-            <a:pPr algn="just"/>
-            <a:endParaRPr lang="en-US" sz="2800" b="1" baseline="0" dirty="0">
-              <a:solidFill>
-                <a:schemeClr val="accent4">
-                  <a:lumMod val="10000"/>
-                </a:schemeClr>
-              </a:solidFill>
-              <a:latin typeface="Times New Roman"/>
-              <a:cs typeface="Times New Roman"/>
-            </a:endParaRPr>
-          </a:p>
-          <a:p>
-            <a:pPr algn="just"/>
-            <a:r>
-              <a:rPr lang="en-US" sz="2800" b="1" baseline="0" dirty="0">
-                <a:solidFill>
-                  <a:schemeClr val="accent4">
-                    <a:lumMod val="10000"/>
-                  </a:schemeClr>
-                </a:solidFill>
-                <a:latin typeface="Times New Roman"/>
-                <a:cs typeface="Times New Roman"/>
-              </a:rPr>
-              <a:t>In this presentation, we summarize the UAT program and the current research efforts of UAT members based on Arecibo science, including </a:t>
-            </a:r>
-            <a:r>
-              <a:rPr lang="en-US" sz="2800" b="1" baseline="0" dirty="0" err="1">
-                <a:solidFill>
-                  <a:schemeClr val="accent4">
-                    <a:lumMod val="10000"/>
-                  </a:schemeClr>
-                </a:solidFill>
-                <a:latin typeface="Times New Roman"/>
-                <a:cs typeface="Times New Roman"/>
-              </a:rPr>
-              <a:t>multiwavelength</a:t>
-            </a:r>
-            <a:r>
-              <a:rPr lang="en-US" sz="2800" b="1" baseline="0" dirty="0">
-                <a:solidFill>
-                  <a:schemeClr val="accent4">
-                    <a:lumMod val="10000"/>
-                  </a:schemeClr>
-                </a:solidFill>
-                <a:latin typeface="Times New Roman"/>
-                <a:cs typeface="Times New Roman"/>
-              </a:rPr>
-              <a:t> </a:t>
-            </a:r>
-            <a:r>
-              <a:rPr lang="en-US" sz="2800" b="1" baseline="0" dirty="0" err="1">
-                <a:solidFill>
-                  <a:schemeClr val="accent4">
-                    <a:lumMod val="10000"/>
-                  </a:schemeClr>
-                </a:solidFill>
-                <a:latin typeface="Times New Roman"/>
-                <a:cs typeface="Times New Roman"/>
-              </a:rPr>
-              <a:t>followup</a:t>
-            </a:r>
-            <a:r>
-              <a:rPr lang="en-US" sz="2800" b="1" baseline="0" dirty="0">
-                <a:solidFill>
-                  <a:schemeClr val="accent4">
-                    <a:lumMod val="10000"/>
-                  </a:schemeClr>
-                </a:solidFill>
-                <a:latin typeface="Times New Roman"/>
-                <a:cs typeface="Times New Roman"/>
-              </a:rPr>
-              <a:t> observations of ALFALFA sources, the UAT Collaborative Groups Project, the Survey of HI in Extremely Low-mass Dwarfs (SHIELD), and the Arecibo Pisces-Perseus </a:t>
-            </a:r>
-            <a:r>
-              <a:rPr lang="en-US" sz="2800" b="1" baseline="0" dirty="0" err="1">
-                <a:solidFill>
-                  <a:schemeClr val="accent4">
-                    <a:lumMod val="10000"/>
-                  </a:schemeClr>
-                </a:solidFill>
-                <a:latin typeface="Times New Roman"/>
-                <a:cs typeface="Times New Roman"/>
-              </a:rPr>
-              <a:t>Supercluster</a:t>
-            </a:r>
-            <a:r>
-              <a:rPr lang="en-US" sz="2800" b="1" baseline="0" dirty="0">
-                <a:solidFill>
-                  <a:schemeClr val="accent4">
-                    <a:lumMod val="10000"/>
-                  </a:schemeClr>
-                </a:solidFill>
-                <a:latin typeface="Times New Roman"/>
-                <a:cs typeface="Times New Roman"/>
-              </a:rPr>
-              <a:t> Survey (APPSS). </a:t>
-            </a:r>
-            <a:r>
-              <a:rPr lang="en-US" sz="2800" b="1" baseline="0" dirty="0">
-                <a:solidFill>
-                  <a:srgbClr val="FF0000"/>
-                </a:solidFill>
-                <a:latin typeface="Times New Roman"/>
-                <a:cs typeface="Times New Roman"/>
-              </a:rPr>
-              <a:t>This work has been supported by NSF grants AST-0724918/0902211, AST-075267/0903394, AST-0725380, AST-121105, and AST-1637339.</a:t>
-            </a:r>
-            <a:endParaRPr lang="en-US" sz="2800" b="1" baseline="0" dirty="0">
-              <a:solidFill>
-                <a:srgbClr val="FF0000"/>
-              </a:solidFill>
-              <a:latin typeface="Times New Roman"/>
-              <a:ea typeface="ＭＳ Ｐゴシック" charset="-128"/>
-              <a:cs typeface="Times New Roman"/>
-            </a:endParaRPr>
-          </a:p>
-          <a:p>
-            <a:endParaRPr lang="en-US" sz="2800" baseline="0" dirty="0">
-              <a:solidFill>
-                <a:srgbClr val="FF0000"/>
-              </a:solidFill>
-            </a:endParaRPr>
-          </a:p>
-        </p:txBody>
-      </p:sp>
-      <p:pic>
-        <p:nvPicPr>
-          <p:cNvPr id="52" name="Picture 51" descr="appss_detections.pdf"/>
-          <p:cNvPicPr>
-            <a:picLocks noChangeAspect="1"/>
-          </p:cNvPicPr>
-          <p:nvPr/>
-        </p:nvPicPr>
-        <p:blipFill>
-          <a:blip r:embed="rId4">
-            <a:extLst>
-              <a:ext uri="{28A0092B-C50C-407E-A947-70E740481C1C}">
-                <a14:useLocalDpi xmlns:a14="http://schemas.microsoft.com/office/drawing/2010/main"/>
-              </a:ext>
-            </a:extLst>
-          </a:blip>
-          <a:stretch>
-            <a:fillRect/>
-          </a:stretch>
-        </p:blipFill>
-        <p:spPr>
-          <a:xfrm>
-            <a:off x="872685" y="6849570"/>
-            <a:ext cx="8658187" cy="5288233"/>
           </a:xfrm>
           <a:prstGeom prst="rect">
             <a:avLst/>
@@ -4247,8 +3864,8 @@
         </p:nvSpPr>
         <p:spPr>
           <a:xfrm>
-            <a:off x="752903" y="12199910"/>
-            <a:ext cx="8897007" cy="2862322"/>
+            <a:off x="915963" y="12135022"/>
+            <a:ext cx="8665501" cy="2862322"/>
           </a:xfrm>
           <a:prstGeom prst="rect">
             <a:avLst/>
@@ -4609,7 +4226,7 @@
                 <a:latin typeface="Times New Roman"/>
                 <a:cs typeface="Times New Roman"/>
               </a:rPr>
-              <a:t>panel shows the preliminary APPSS detections in blue, with non-detections in red </a:t>
+              <a:t>panel shows the preliminary APPSS </a:t>
             </a:r>
             <a:r>
               <a:rPr lang="en-US" sz="2000" dirty="0" smtClean="0">
@@ -4619,7 +4236,7 @@
                 <a:latin typeface="Times New Roman"/>
                 <a:cs typeface="Times New Roman"/>
               </a:rPr>
-              <a:t>and Arecibo </a:t>
+              <a:t>detections of declination strip 35 </a:t>
             </a:r>
             <a:r>
               <a:rPr lang="en-US" sz="2000" dirty="0">
@@ -4629,7 +4246,7 @@
                 <a:latin typeface="Times New Roman"/>
                 <a:cs typeface="Times New Roman"/>
               </a:rPr>
-              <a:t>General Catalog (AGC) sample </a:t>
+              <a:t>in </a:t>
             </a:r>
             <a:r>
               <a:rPr lang="en-US" sz="2000" dirty="0" smtClean="0">
@@ -4639,7 +4256,17 @@
                 <a:latin typeface="Times New Roman"/>
                 <a:cs typeface="Times New Roman"/>
               </a:rPr>
-              <a:t>in the vicinity of the PPS in grey. The bottom panel shows </a:t>
+              <a:t>red</a:t>
+            </a:r>
+            <a:r>
+              <a:rPr lang="en-US" sz="2000" dirty="0" smtClean="0">
+                <a:solidFill>
+                  <a:srgbClr val="000000"/>
+                </a:solidFill>
+                <a:latin typeface="Times New Roman"/>
+                <a:cs typeface="Times New Roman"/>
+              </a:rPr>
+              <a:t>, </a:t>
             </a:r>
             <a:r>
               <a:rPr lang="en-US" sz="2000" dirty="0">
@@ -4649,6 +4276,66 @@
                 <a:latin typeface="Times New Roman"/>
                 <a:cs typeface="Times New Roman"/>
               </a:rPr>
+              <a:t>with non-detections in </a:t>
+            </a:r>
+            <a:r>
+              <a:rPr lang="en-US" sz="2000" dirty="0" smtClean="0">
+                <a:solidFill>
+                  <a:srgbClr val="000000"/>
+                </a:solidFill>
+                <a:latin typeface="Times New Roman"/>
+                <a:cs typeface="Times New Roman"/>
+              </a:rPr>
+              <a:t>blue </a:t>
+            </a:r>
+            <a:r>
+              <a:rPr lang="en-US" sz="2000" dirty="0" smtClean="0">
+                <a:solidFill>
+                  <a:srgbClr val="000000"/>
+                </a:solidFill>
+                <a:latin typeface="Times New Roman"/>
+                <a:cs typeface="Times New Roman"/>
+              </a:rPr>
+              <a:t>and ALFALFA Catalog sample </a:t>
+            </a:r>
+            <a:r>
+              <a:rPr lang="en-US" sz="2000" dirty="0" smtClean="0">
+                <a:solidFill>
+                  <a:srgbClr val="000000"/>
+                </a:solidFill>
+                <a:latin typeface="Times New Roman"/>
+                <a:cs typeface="Times New Roman"/>
+              </a:rPr>
+              <a:t>in the vicinity of </a:t>
+            </a:r>
+            <a:r>
+              <a:rPr lang="en-US" sz="2000" dirty="0" smtClean="0">
+                <a:solidFill>
+                  <a:srgbClr val="000000"/>
+                </a:solidFill>
+                <a:latin typeface="Times New Roman"/>
+                <a:cs typeface="Times New Roman"/>
+              </a:rPr>
+              <a:t>the strip </a:t>
+            </a:r>
+            <a:r>
+              <a:rPr lang="en-US" sz="2000" dirty="0" smtClean="0">
+                <a:solidFill>
+                  <a:srgbClr val="000000"/>
+                </a:solidFill>
+                <a:latin typeface="Times New Roman"/>
+                <a:cs typeface="Times New Roman"/>
+              </a:rPr>
+              <a:t>in grey. The bottom panel shows </a:t>
+            </a:r>
+            <a:r>
+              <a:rPr lang="en-US" sz="2000" dirty="0">
+                <a:solidFill>
+                  <a:srgbClr val="000000"/>
+                </a:solidFill>
+                <a:latin typeface="Times New Roman"/>
+                <a:cs typeface="Times New Roman"/>
+              </a:rPr>
               <a:t>the </a:t>
             </a:r>
             <a:r>
@@ -4659,7 +4346,17 @@
                 <a:latin typeface="Times New Roman"/>
                 <a:cs typeface="Times New Roman"/>
               </a:rPr>
-              <a:t>velocities. PPS galaxies lie between ~4000-8000 km/s. </a:t>
+              <a:t>velocities</a:t>
+            </a:r>
+            <a:r>
+              <a:rPr lang="en-US" sz="2000" dirty="0" smtClean="0">
+                <a:solidFill>
+                  <a:srgbClr val="000000"/>
+                </a:solidFill>
+                <a:latin typeface="Times New Roman"/>
+                <a:cs typeface="Times New Roman"/>
+              </a:rPr>
+              <a:t>.</a:t>
             </a:r>
             <a:endParaRPr lang="en-US" sz="2000" dirty="0">
               <a:solidFill>
@@ -4751,7 +4448,7 @@
           <p:nvPr/>
         </p:nvPicPr>
         <p:blipFill>
-          <a:blip r:embed="rId5">
+          <a:blip r:embed="rId6">
             <a:extLst>
               <a:ext uri="{28A0092B-C50C-407E-A947-70E740481C1C}">
                 <a14:useLocalDpi xmlns:a14="http://schemas.microsoft.com/office/drawing/2010/main" val="0"/>
@@ -4765,7 +4462,7 @@
         <p:spPr>
           <a:xfrm>
             <a:off x="915963" y="14997344"/>
-            <a:ext cx="4114800" cy="2743200"/>
+            <a:ext cx="4046007" cy="2697338"/>
           </a:xfrm>
           <a:prstGeom prst="rect">
             <a:avLst/>
@@ -4781,7 +4478,7 @@
           <p:nvPr/>
         </p:nvPicPr>
         <p:blipFill rotWithShape="1">
-          <a:blip r:embed="rId6">
+          <a:blip r:embed="rId7">
             <a:extLst>
               <a:ext uri="{28A0092B-C50C-407E-A947-70E740481C1C}">
                 <a14:useLocalDpi xmlns:a14="http://schemas.microsoft.com/office/drawing/2010/main" val="0"/>
@@ -4793,7 +4490,7 @@
         </p:blipFill>
         <p:spPr>
           <a:xfrm>
-            <a:off x="5550760" y="15195809"/>
+            <a:off x="6061024" y="15130664"/>
             <a:ext cx="3520440" cy="2340864"/>
           </a:xfrm>
           <a:prstGeom prst="rect">
@@ -4882,8 +4579,8 @@
         </p:nvSpPr>
         <p:spPr>
           <a:xfrm>
-            <a:off x="872685" y="17694683"/>
-            <a:ext cx="8751825" cy="1323439"/>
+            <a:off x="872686" y="17694682"/>
+            <a:ext cx="10599016" cy="6001643"/>
           </a:xfrm>
           <a:prstGeom prst="rect">
             <a:avLst/>
@@ -4897,7 +4594,7 @@
           <a:p>
             <a:pPr algn="just"/>
             <a:r>
-              <a:rPr lang="en-US" sz="2000" b="1" dirty="0" smtClean="0">
+              <a:rPr lang="en-US" sz="4800" b="1" dirty="0" smtClean="0">
                 <a:solidFill>
                   <a:srgbClr val="000000"/>
                 </a:solidFill>
@@ -4907,7 +4604,7 @@
               <a:t>LEFT: </a:t>
             </a:r>
             <a:r>
-              <a:rPr lang="en-US" sz="2000" dirty="0" smtClean="0">
+              <a:rPr lang="en-US" sz="4800" dirty="0" smtClean="0">
                 <a:solidFill>
                   <a:srgbClr val="000000"/>
                 </a:solidFill>
@@ -4917,7 +4614,7 @@
               <a:t>A baseline subtracted LBW spectrum of an APPSS detection  showing HI-emission at ~8500 km/s. </a:t>
             </a:r>
             <a:r>
-              <a:rPr lang="en-US" sz="2000" b="1" dirty="0" smtClean="0">
+              <a:rPr lang="en-US" sz="4800" b="1" dirty="0" smtClean="0">
                 <a:solidFill>
                   <a:srgbClr val="000000"/>
                 </a:solidFill>
@@ -4927,7 +4624,7 @@
               <a:t>RIGHT:</a:t>
             </a:r>
             <a:r>
-              <a:rPr lang="en-US" sz="2000" dirty="0">
+              <a:rPr lang="en-US" sz="4800" dirty="0">
                 <a:solidFill>
                   <a:srgbClr val="000000"/>
                 </a:solidFill>
@@ -4937,7 +4634,7 @@
               <a:t> </a:t>
             </a:r>
             <a:r>
-              <a:rPr lang="en-US" sz="2000" dirty="0" smtClean="0">
+              <a:rPr lang="en-US" sz="4800" dirty="0" smtClean="0">
                 <a:solidFill>
                   <a:srgbClr val="000000"/>
                 </a:solidFill>
@@ -4947,7 +4644,7 @@
               <a:t>The corresponding SDSS image of the APPSS source. With hundreds of similar spectra, APPSS is now in the data analysis phase. See </a:t>
             </a:r>
             <a:r>
-              <a:rPr lang="en-US" sz="2000" dirty="0">
+              <a:rPr lang="en-US" sz="4800" dirty="0">
                 <a:solidFill>
                   <a:srgbClr val="000000"/>
                 </a:solidFill>
@@ -4968,7 +4665,7 @@
           <p:nvPr/>
         </p:nvPicPr>
         <p:blipFill>
-          <a:blip r:embed="rId7">
+          <a:blip r:embed="rId8">
             <a:extLst>
               <a:ext uri="{28A0092B-C50C-407E-A947-70E740481C1C}">
                 <a14:useLocalDpi xmlns:a14="http://schemas.microsoft.com/office/drawing/2010/main" val="0"/>
@@ -5036,6 +4733,176 @@
           </a:p>
         </p:txBody>
       </p:sp>
+      <p:sp>
+        <p:nvSpPr>
+          <p:cNvPr id="2" name="TextBox 1"/>
+          <p:cNvSpPr txBox="1"/>
+          <p:nvPr/>
+        </p:nvSpPr>
+        <p:spPr>
+          <a:xfrm>
+            <a:off x="12995617" y="18626068"/>
+            <a:ext cx="13715244" cy="1323439"/>
+          </a:xfrm>
+          <a:prstGeom prst="rect">
+            <a:avLst/>
+          </a:prstGeom>
+          <a:noFill/>
+        </p:spPr>
+        <p:txBody>
+          <a:bodyPr wrap="square" rtlCol="0">
+            <a:spAutoFit/>
+          </a:bodyPr>
+          <a:lstStyle/>
+          <a:p>
+            <a:endParaRPr lang="en-US" dirty="0"/>
+          </a:p>
+        </p:txBody>
+      </p:sp>
+      <p:sp>
+        <p:nvSpPr>
+          <p:cNvPr id="3" name="TextBox 2"/>
+          <p:cNvSpPr txBox="1"/>
+          <p:nvPr/>
+        </p:nvSpPr>
+        <p:spPr>
+          <a:xfrm>
+            <a:off x="11471701" y="6849570"/>
+            <a:ext cx="15239160" cy="8402302"/>
+          </a:xfrm>
+          <a:prstGeom prst="rect">
+            <a:avLst/>
+          </a:prstGeom>
+          <a:noFill/>
+        </p:spPr>
+        <p:txBody>
+          <a:bodyPr wrap="square" rtlCol="0">
+            <a:spAutoFit/>
+          </a:bodyPr>
+          <a:lstStyle/>
+          <a:p>
+            <a:r>
+              <a:rPr lang="en-US" sz="3600" dirty="0">
+                <a:latin typeface="Times New Roman"/>
+                <a:cs typeface="Times New Roman"/>
+              </a:rPr>
+              <a:t>The Arecibo Pisces-Perseus </a:t>
+            </a:r>
+            <a:r>
+              <a:rPr lang="en-US" sz="3600" dirty="0" err="1">
+                <a:latin typeface="Times New Roman"/>
+                <a:cs typeface="Times New Roman"/>
+              </a:rPr>
+              <a:t>Supercluster</a:t>
+            </a:r>
+            <a:r>
+              <a:rPr lang="en-US" sz="3600" dirty="0">
+                <a:latin typeface="Times New Roman"/>
+                <a:cs typeface="Times New Roman"/>
+              </a:rPr>
+              <a:t> Survey (APPSS) will provide strong observational constraints on the mass-</a:t>
+            </a:r>
+            <a:r>
+              <a:rPr lang="en-US" sz="3600" dirty="0" err="1">
+                <a:latin typeface="Times New Roman"/>
+                <a:cs typeface="Times New Roman"/>
+              </a:rPr>
+              <a:t>infall</a:t>
+            </a:r>
+            <a:r>
+              <a:rPr lang="en-US" sz="3600" dirty="0">
+                <a:latin typeface="Times New Roman"/>
+                <a:cs typeface="Times New Roman"/>
+              </a:rPr>
+              <a:t> rate onto the main filament of the Pisces-Perseus </a:t>
+            </a:r>
+            <a:r>
+              <a:rPr lang="en-US" sz="3600" dirty="0" err="1">
+                <a:latin typeface="Times New Roman"/>
+                <a:cs typeface="Times New Roman"/>
+              </a:rPr>
+              <a:t>Supercluster</a:t>
+            </a:r>
+            <a:r>
+              <a:rPr lang="en-US" sz="3600" dirty="0">
+                <a:latin typeface="Times New Roman"/>
+                <a:cs typeface="Times New Roman"/>
+              </a:rPr>
+              <a:t>. The survey data consist of HI emission-line spectra of cluster galaxy candidates, obtained primarily at the Arecibo Observatory (with ALFA as part of the ALFALFA Survey and with the L-Band Wide receiver as part of APPSS observations). Here we present the details of the data reduction process and spectral-analysis techniques used to determine if a galaxy candidate is at a velocity consistent with the </a:t>
+            </a:r>
+            <a:r>
+              <a:rPr lang="en-US" sz="3600" dirty="0" err="1">
+                <a:latin typeface="Times New Roman"/>
+                <a:cs typeface="Times New Roman"/>
+              </a:rPr>
+              <a:t>Supercluster</a:t>
+            </a:r>
+            <a:r>
+              <a:rPr lang="en-US" sz="3600" dirty="0">
+                <a:latin typeface="Times New Roman"/>
+                <a:cs typeface="Times New Roman"/>
+              </a:rPr>
+              <a:t>, as well as the detected HI-flux and rotational velocity of the galaxy, which will be used to estimate the corresponding HI-mass. We discuss the results of a preliminary analysis on a subset of the APPSS sample, corresponding to 98 galaxies located within ~1.5° of DEC = +35.0°, with 65 possible detections. We also highlight several interesting emission-line features and galaxies discovered during the reduction and analysis process and layout the future of the APPSS project</a:t>
+            </a:r>
+            <a:r>
+              <a:rPr lang="en-US" sz="3600" dirty="0" smtClean="0">
+                <a:latin typeface="Times New Roman"/>
+                <a:cs typeface="Times New Roman"/>
+              </a:rPr>
+              <a:t>. </a:t>
+            </a:r>
+          </a:p>
+          <a:p>
+            <a:r>
+              <a:rPr lang="en-US" sz="3600" dirty="0" smtClean="0">
+                <a:solidFill>
+                  <a:srgbClr val="FF0000"/>
+                </a:solidFill>
+                <a:latin typeface="Times New Roman"/>
+                <a:cs typeface="Times New Roman"/>
+              </a:rPr>
+              <a:t> This work has been supported by NSF grants AST-1211005 and AST-1637339. </a:t>
+            </a:r>
+            <a:endParaRPr lang="en-US" sz="3600" dirty="0">
+              <a:solidFill>
+                <a:srgbClr val="FF0000"/>
+              </a:solidFill>
+              <a:latin typeface="Times New Roman"/>
+              <a:cs typeface="Times New Roman"/>
+            </a:endParaRPr>
+          </a:p>
+        </p:txBody>
+      </p:sp>
+      <p:pic>
+        <p:nvPicPr>
+          <p:cNvPr id="6" name="Picture 5" descr="flux_velocity_both.pdf"/>
+          <p:cNvPicPr>
+            <a:picLocks noChangeAspect="1"/>
+          </p:cNvPicPr>
+          <p:nvPr/>
+        </p:nvPicPr>
+        <p:blipFill>
+          <a:blip r:embed="rId9">
+            <a:extLst>
+              <a:ext uri="{28A0092B-C50C-407E-A947-70E740481C1C}">
+                <a14:useLocalDpi xmlns:a14="http://schemas.microsoft.com/office/drawing/2010/main" val="0"/>
+              </a:ext>
+            </a:extLst>
+          </a:blip>
+          <a:stretch>
+            <a:fillRect/>
+          </a:stretch>
+        </p:blipFill>
+        <p:spPr>
+          <a:xfrm>
+            <a:off x="29321948" y="10102532"/>
+            <a:ext cx="5029075" cy="3352717"/>
+          </a:xfrm>
+          <a:prstGeom prst="rect">
+            <a:avLst/>
+          </a:prstGeom>
+        </p:spPr>
+      </p:pic>
     </p:spTree>
     <p:extLst>
       <p:ext uri="{BB962C8B-B14F-4D97-AF65-F5344CB8AC3E}">

--- a/aas_2018_cnm.pptx
+++ b/aas_2018_cnm.pptx
@@ -3122,8 +3122,8 @@
         </p:blipFill>
         <p:spPr>
           <a:xfrm>
-            <a:off x="959009" y="9064389"/>
-            <a:ext cx="8143507" cy="2714502"/>
+            <a:off x="26878474" y="9240715"/>
+            <a:ext cx="12158340" cy="4052779"/>
           </a:xfrm>
           <a:prstGeom prst="rect">
             <a:avLst/>
@@ -3152,8 +3152,8 @@
         </p:blipFill>
         <p:spPr>
           <a:xfrm>
-            <a:off x="959009" y="6304509"/>
-            <a:ext cx="8143507" cy="2759880"/>
+            <a:off x="26878474" y="4944431"/>
+            <a:ext cx="12158340" cy="4120530"/>
           </a:xfrm>
           <a:prstGeom prst="rect">
             <a:avLst/>
@@ -3346,22 +3346,13 @@
           </a:p>
           <a:p>
             <a:r>
-              <a:rPr lang="en-US" sz="5400" b="1" i="1" baseline="0" dirty="0" err="1">
+              <a:rPr lang="en-US" sz="5400" b="1" i="1" baseline="0" dirty="0">
                 <a:solidFill>
                   <a:srgbClr val="000000"/>
                 </a:solidFill>
                 <a:latin typeface="Times" charset="0"/>
               </a:rPr>
-              <a:t>Chelsey</a:t>
-            </a:r>
-            <a:r>
-              <a:rPr lang="en-US" sz="5400" b="1" i="1" baseline="0" dirty="0">
-                <a:solidFill>
-                  <a:srgbClr val="000000"/>
-                </a:solidFill>
-                <a:latin typeface="Times" charset="0"/>
-              </a:rPr>
-              <a:t> McMichael</a:t>
+              <a:t>Chelsey McMichael</a:t>
             </a:r>
             <a:r>
               <a:rPr lang="en-US" sz="5400" b="1" i="1" baseline="30000" dirty="0">
@@ -3523,8 +3514,8 @@
         </p:nvSpPr>
         <p:spPr bwMode="auto">
           <a:xfrm>
-            <a:off x="10682492" y="5797156"/>
-            <a:ext cx="17039817" cy="10274933"/>
+            <a:off x="10682492" y="5095250"/>
+            <a:ext cx="17039817" cy="8198244"/>
           </a:xfrm>
           <a:prstGeom prst="rect">
             <a:avLst/>
@@ -3579,6 +3570,97 @@
             </a:endParaRPr>
           </a:p>
           <a:p>
+            <a:r>
+              <a:rPr lang="en-US" sz="3400" dirty="0">
+                <a:latin typeface="Times New Roman"/>
+                <a:cs typeface="Times New Roman"/>
+              </a:rPr>
+              <a:t>The Arecibo Pisces-Perseus </a:t>
+            </a:r>
+            <a:r>
+              <a:rPr lang="en-US" sz="3400" dirty="0" err="1">
+                <a:latin typeface="Times New Roman"/>
+                <a:cs typeface="Times New Roman"/>
+              </a:rPr>
+              <a:t>Supercluster</a:t>
+            </a:r>
+            <a:r>
+              <a:rPr lang="en-US" sz="3400" dirty="0">
+                <a:latin typeface="Times New Roman"/>
+                <a:cs typeface="Times New Roman"/>
+              </a:rPr>
+              <a:t> Survey (APPSS) will provide strong observational constraints on the mass-</a:t>
+            </a:r>
+            <a:r>
+              <a:rPr lang="en-US" sz="3400" dirty="0" err="1">
+                <a:latin typeface="Times New Roman"/>
+                <a:cs typeface="Times New Roman"/>
+              </a:rPr>
+              <a:t>infall</a:t>
+            </a:r>
+            <a:r>
+              <a:rPr lang="en-US" sz="3400" dirty="0">
+                <a:latin typeface="Times New Roman"/>
+                <a:cs typeface="Times New Roman"/>
+              </a:rPr>
+              <a:t> rate onto the main filament of the Pisces-Perseus </a:t>
+            </a:r>
+            <a:r>
+              <a:rPr lang="en-US" sz="3400" dirty="0" err="1">
+                <a:latin typeface="Times New Roman"/>
+                <a:cs typeface="Times New Roman"/>
+              </a:rPr>
+              <a:t>Supercluster</a:t>
+            </a:r>
+            <a:r>
+              <a:rPr lang="en-US" sz="3400" dirty="0">
+                <a:latin typeface="Times New Roman"/>
+                <a:cs typeface="Times New Roman"/>
+              </a:rPr>
+              <a:t>. The survey data consist of HI emission-line spectra of cluster galaxy candidates, obtained primarily at the Arecibo Observatory (with ALFA as part of the ALFALFA Survey and with the L-Band Wide receiver as part of APPSS observations). Here we present the details of the data reduction process and spectral-analysis techniques used to determine if a galaxy candidate is at a velocity consistent with the </a:t>
+            </a:r>
+            <a:r>
+              <a:rPr lang="en-US" sz="3400" dirty="0" err="1">
+                <a:latin typeface="Times New Roman"/>
+                <a:cs typeface="Times New Roman"/>
+              </a:rPr>
+              <a:t>Supercluster</a:t>
+            </a:r>
+            <a:r>
+              <a:rPr lang="en-US" sz="3400" dirty="0">
+                <a:latin typeface="Times New Roman"/>
+                <a:cs typeface="Times New Roman"/>
+              </a:rPr>
+              <a:t>, as well as the detected HI-flux and rotational velocity of the galaxy, which will be used to estimate the corresponding HI-mass. We discuss the results of a preliminary analysis on a subset of the APPSS sample, corresponding to 98 galaxies located within ~1.5° of DEC = +35.0°, with 65 possible detections. We also highlight several interesting emission-line features and galaxies discovered during the reduction and analysis process and layout the future of the APPSS project. </a:t>
+            </a:r>
+            <a:endParaRPr lang="en-US" sz="3400" dirty="0" smtClean="0">
+              <a:latin typeface="Times New Roman"/>
+              <a:cs typeface="Times New Roman"/>
+            </a:endParaRPr>
+          </a:p>
+          <a:p>
+            <a:r>
+              <a:rPr lang="en-US" sz="3400" dirty="0" smtClean="0">
+                <a:solidFill>
+                  <a:srgbClr val="FF0000"/>
+                </a:solidFill>
+                <a:latin typeface="Times New Roman"/>
+                <a:cs typeface="Times New Roman"/>
+              </a:rPr>
+              <a:t>This </a:t>
+            </a:r>
+            <a:r>
+              <a:rPr lang="en-US" sz="3400" dirty="0">
+                <a:solidFill>
+                  <a:srgbClr val="FF0000"/>
+                </a:solidFill>
+                <a:latin typeface="Times New Roman"/>
+                <a:cs typeface="Times New Roman"/>
+              </a:rPr>
+              <a:t>work has been supported by NSF grants AST-1211005 and AST-1637339. </a:t>
+            </a:r>
+          </a:p>
+          <a:p>
             <a:pPr algn="just"/>
             <a:endParaRPr lang="en-US" sz="3200" b="1" baseline="0" dirty="0">
               <a:solidFill>
@@ -3600,7 +3682,7 @@
         </p:nvSpPr>
         <p:spPr>
           <a:xfrm>
-            <a:off x="16849441" y="5817632"/>
+            <a:off x="16716060" y="5188650"/>
             <a:ext cx="4533900" cy="1477321"/>
           </a:xfrm>
           <a:prstGeom prst="rect">
@@ -3624,62 +3706,6 @@
               </a:rPr>
               <a:t>ABSTRACT</a:t>
             </a:r>
-          </a:p>
-          <a:p>
-            <a:pPr algn="ctr"/>
-            <a:endParaRPr lang="en-US" sz="5400" dirty="0"/>
-          </a:p>
-        </p:txBody>
-      </p:sp>
-      <p:sp>
-        <p:nvSpPr>
-          <p:cNvPr id="13" name="Rectangle 12"/>
-          <p:cNvSpPr/>
-          <p:nvPr/>
-        </p:nvSpPr>
-        <p:spPr>
-          <a:xfrm>
-            <a:off x="959008" y="5453811"/>
-            <a:ext cx="8143507" cy="1754320"/>
-          </a:xfrm>
-          <a:prstGeom prst="rect">
-            <a:avLst/>
-          </a:prstGeom>
-        </p:spPr>
-        <p:txBody>
-          <a:bodyPr wrap="square" lIns="91433" tIns="45717" rIns="91433" bIns="45717">
-            <a:spAutoFit/>
-          </a:bodyPr>
-          <a:lstStyle/>
-          <a:p>
-            <a:pPr algn="ctr"/>
-            <a:r>
-              <a:rPr lang="en-US" sz="5400" b="1" dirty="0" err="1" smtClean="0">
-                <a:solidFill>
-                  <a:srgbClr val="000000"/>
-                </a:solidFill>
-                <a:latin typeface="Times New Roman"/>
-                <a:cs typeface="Times New Roman"/>
-              </a:rPr>
-              <a:t>Declincation</a:t>
-            </a:r>
-            <a:r>
-              <a:rPr lang="en-US" sz="5400" b="1" dirty="0" smtClean="0">
-                <a:solidFill>
-                  <a:srgbClr val="000000"/>
-                </a:solidFill>
-                <a:latin typeface="Times New Roman"/>
-                <a:cs typeface="Times New Roman"/>
-              </a:rPr>
-              <a:t> Strip 35</a:t>
-            </a:r>
-            <a:endParaRPr lang="en-US" sz="5400" b="1" baseline="0" dirty="0">
-              <a:solidFill>
-                <a:srgbClr val="000000"/>
-              </a:solidFill>
-              <a:latin typeface="Times New Roman"/>
-              <a:cs typeface="Times New Roman"/>
-            </a:endParaRPr>
           </a:p>
           <a:p>
             <a:pPr algn="ctr"/>
@@ -3858,518 +3884,6 @@
       </p:sp>
       <p:sp>
         <p:nvSpPr>
-          <p:cNvPr id="95" name="Rectangle 94"/>
-          <p:cNvSpPr/>
-          <p:nvPr/>
-        </p:nvSpPr>
-        <p:spPr>
-          <a:xfrm>
-            <a:off x="915963" y="12135022"/>
-            <a:ext cx="8665501" cy="2862322"/>
-          </a:xfrm>
-          <a:prstGeom prst="rect">
-            <a:avLst/>
-          </a:prstGeom>
-        </p:spPr>
-        <p:txBody>
-          <a:bodyPr wrap="square">
-            <a:spAutoFit/>
-          </a:bodyPr>
-          <a:lstStyle/>
-          <a:p>
-            <a:pPr algn="just"/>
-            <a:r>
-              <a:rPr lang="en-US" sz="2000" baseline="0" dirty="0" smtClean="0">
-                <a:solidFill>
-                  <a:srgbClr val="000000"/>
-                </a:solidFill>
-                <a:latin typeface="Times New Roman"/>
-                <a:cs typeface="Times New Roman"/>
-              </a:rPr>
-              <a:t>The </a:t>
-            </a:r>
-            <a:r>
-              <a:rPr lang="en-US" sz="2000" b="1" baseline="0" dirty="0" smtClean="0">
-                <a:solidFill>
-                  <a:srgbClr val="000000"/>
-                </a:solidFill>
-                <a:latin typeface="Times New Roman"/>
-                <a:cs typeface="Times New Roman"/>
-              </a:rPr>
-              <a:t>A</a:t>
-            </a:r>
-            <a:r>
-              <a:rPr lang="en-US" sz="2000" baseline="0" dirty="0" smtClean="0">
-                <a:solidFill>
-                  <a:srgbClr val="000000"/>
-                </a:solidFill>
-                <a:latin typeface="Times New Roman"/>
-                <a:cs typeface="Times New Roman"/>
-              </a:rPr>
-              <a:t>recibo </a:t>
-            </a:r>
-            <a:r>
-              <a:rPr lang="en-US" sz="2000" b="1" dirty="0" smtClean="0">
-                <a:solidFill>
-                  <a:srgbClr val="000000"/>
-                </a:solidFill>
-                <a:latin typeface="Times New Roman"/>
-                <a:cs typeface="Times New Roman"/>
-              </a:rPr>
-              <a:t>P</a:t>
-            </a:r>
-            <a:r>
-              <a:rPr lang="en-US" sz="2000" dirty="0" smtClean="0">
-                <a:solidFill>
-                  <a:srgbClr val="000000"/>
-                </a:solidFill>
-                <a:latin typeface="Times New Roman"/>
-                <a:cs typeface="Times New Roman"/>
-              </a:rPr>
-              <a:t>isces-</a:t>
-            </a:r>
-            <a:r>
-              <a:rPr lang="en-US" sz="2000" b="1" dirty="0" smtClean="0">
-                <a:solidFill>
-                  <a:srgbClr val="000000"/>
-                </a:solidFill>
-                <a:latin typeface="Times New Roman"/>
-                <a:cs typeface="Times New Roman"/>
-              </a:rPr>
-              <a:t>P</a:t>
-            </a:r>
-            <a:r>
-              <a:rPr lang="en-US" sz="2000" dirty="0" smtClean="0">
-                <a:solidFill>
-                  <a:srgbClr val="000000"/>
-                </a:solidFill>
-                <a:latin typeface="Times New Roman"/>
-                <a:cs typeface="Times New Roman"/>
-              </a:rPr>
-              <a:t>erseus</a:t>
-            </a:r>
-            <a:r>
-              <a:rPr lang="en-US" sz="2000" baseline="0" dirty="0" smtClean="0">
-                <a:solidFill>
-                  <a:srgbClr val="000000"/>
-                </a:solidFill>
-                <a:latin typeface="Times New Roman"/>
-                <a:cs typeface="Times New Roman"/>
-              </a:rPr>
-              <a:t> </a:t>
-            </a:r>
-            <a:r>
-              <a:rPr lang="en-US" sz="2000" b="1" baseline="0" dirty="0" err="1" smtClean="0">
-                <a:solidFill>
-                  <a:srgbClr val="000000"/>
-                </a:solidFill>
-                <a:latin typeface="Times New Roman"/>
-                <a:cs typeface="Times New Roman"/>
-              </a:rPr>
-              <a:t>S</a:t>
-            </a:r>
-            <a:r>
-              <a:rPr lang="en-US" sz="2000" baseline="0" dirty="0" err="1" smtClean="0">
-                <a:solidFill>
-                  <a:srgbClr val="000000"/>
-                </a:solidFill>
-                <a:latin typeface="Times New Roman"/>
-                <a:cs typeface="Times New Roman"/>
-              </a:rPr>
-              <a:t>upercluster</a:t>
-            </a:r>
-            <a:r>
-              <a:rPr lang="en-US" sz="2000" baseline="0" dirty="0" smtClean="0">
-                <a:solidFill>
-                  <a:srgbClr val="000000"/>
-                </a:solidFill>
-                <a:latin typeface="Times New Roman"/>
-                <a:cs typeface="Times New Roman"/>
-              </a:rPr>
-              <a:t> </a:t>
-            </a:r>
-            <a:r>
-              <a:rPr lang="en-US" sz="2000" b="1" baseline="0" dirty="0" smtClean="0">
-                <a:solidFill>
-                  <a:srgbClr val="000000"/>
-                </a:solidFill>
-                <a:latin typeface="Times New Roman"/>
-                <a:cs typeface="Times New Roman"/>
-              </a:rPr>
-              <a:t>S</a:t>
-            </a:r>
-            <a:r>
-              <a:rPr lang="en-US" sz="2000" baseline="0" dirty="0" smtClean="0">
-                <a:solidFill>
-                  <a:srgbClr val="000000"/>
-                </a:solidFill>
-                <a:latin typeface="Times New Roman"/>
-                <a:cs typeface="Times New Roman"/>
-              </a:rPr>
-              <a:t>urvey (</a:t>
-            </a:r>
-            <a:r>
-              <a:rPr lang="en-US" sz="2000" b="1" baseline="0" dirty="0" smtClean="0">
-                <a:solidFill>
-                  <a:srgbClr val="000000"/>
-                </a:solidFill>
-                <a:latin typeface="Times New Roman"/>
-                <a:cs typeface="Times New Roman"/>
-              </a:rPr>
-              <a:t>APPSS</a:t>
-            </a:r>
-            <a:r>
-              <a:rPr lang="en-US" sz="2000" baseline="0" dirty="0" smtClean="0">
-                <a:solidFill>
-                  <a:srgbClr val="000000"/>
-                </a:solidFill>
-                <a:latin typeface="Times New Roman"/>
-                <a:cs typeface="Times New Roman"/>
-              </a:rPr>
-              <a:t>) is a UAT</a:t>
-            </a:r>
-            <a:r>
-              <a:rPr lang="en-US" sz="2000" dirty="0" smtClean="0">
-                <a:solidFill>
-                  <a:srgbClr val="000000"/>
-                </a:solidFill>
-                <a:latin typeface="Times New Roman"/>
-                <a:cs typeface="Times New Roman"/>
-              </a:rPr>
-              <a:t> </a:t>
-            </a:r>
-            <a:r>
-              <a:rPr lang="en-US" sz="2000" baseline="0" dirty="0" smtClean="0">
-                <a:solidFill>
-                  <a:srgbClr val="000000"/>
-                </a:solidFill>
-                <a:latin typeface="Times New Roman"/>
-                <a:cs typeface="Times New Roman"/>
-              </a:rPr>
-              <a:t>program led by Martha Haynes, Michael Jones, and Rebecca Koopmann. </a:t>
-            </a:r>
-            <a:r>
-              <a:rPr lang="en-US" sz="2000" dirty="0" smtClean="0">
-                <a:solidFill>
-                  <a:srgbClr val="000000"/>
-                </a:solidFill>
-                <a:latin typeface="Times New Roman"/>
-                <a:cs typeface="Times New Roman"/>
-              </a:rPr>
-              <a:t>APPSS uses correlations </a:t>
-            </a:r>
-            <a:r>
-              <a:rPr lang="en-US" sz="2000" dirty="0">
-                <a:solidFill>
-                  <a:srgbClr val="000000"/>
-                </a:solidFill>
-                <a:latin typeface="Times New Roman"/>
-                <a:cs typeface="Times New Roman"/>
-              </a:rPr>
-              <a:t>(Huang et al. 2012</a:t>
-            </a:r>
-            <a:r>
-              <a:rPr lang="en-US" sz="2000" dirty="0" smtClean="0">
-                <a:solidFill>
-                  <a:srgbClr val="000000"/>
-                </a:solidFill>
-                <a:latin typeface="Times New Roman"/>
-                <a:cs typeface="Times New Roman"/>
-              </a:rPr>
-              <a:t>) </a:t>
-            </a:r>
-            <a:r>
-              <a:rPr lang="en-US" sz="2000" dirty="0">
-                <a:solidFill>
-                  <a:srgbClr val="000000"/>
-                </a:solidFill>
-                <a:latin typeface="Times New Roman"/>
-                <a:cs typeface="Times New Roman"/>
-              </a:rPr>
-              <a:t>between ALFALFA HI and SDSS/GALEX photometry </a:t>
-            </a:r>
-            <a:r>
-              <a:rPr lang="en-US" sz="2000" dirty="0" smtClean="0">
-                <a:solidFill>
-                  <a:srgbClr val="000000"/>
-                </a:solidFill>
-                <a:latin typeface="Times New Roman"/>
-                <a:cs typeface="Times New Roman"/>
-              </a:rPr>
-              <a:t>to target </a:t>
-            </a:r>
-            <a:r>
-              <a:rPr lang="en-US" sz="2000" dirty="0">
-                <a:solidFill>
-                  <a:srgbClr val="000000"/>
-                </a:solidFill>
-                <a:latin typeface="Times New Roman"/>
-                <a:cs typeface="Times New Roman"/>
-              </a:rPr>
-              <a:t>Pisces-Perseus </a:t>
-            </a:r>
-            <a:r>
-              <a:rPr lang="en-US" sz="2000" dirty="0" err="1">
-                <a:solidFill>
-                  <a:srgbClr val="000000"/>
-                </a:solidFill>
-                <a:latin typeface="Times New Roman"/>
-                <a:cs typeface="Times New Roman"/>
-              </a:rPr>
-              <a:t>Supercluster</a:t>
-            </a:r>
-            <a:r>
-              <a:rPr lang="en-US" sz="2000" dirty="0">
-                <a:solidFill>
-                  <a:srgbClr val="000000"/>
-                </a:solidFill>
-                <a:latin typeface="Times New Roman"/>
-                <a:cs typeface="Times New Roman"/>
-              </a:rPr>
-              <a:t> (PPS) </a:t>
-            </a:r>
-            <a:r>
-              <a:rPr lang="en-US" sz="2000" dirty="0" smtClean="0">
-                <a:solidFill>
-                  <a:srgbClr val="000000"/>
-                </a:solidFill>
-                <a:latin typeface="Times New Roman"/>
-                <a:cs typeface="Times New Roman"/>
-              </a:rPr>
-              <a:t>galaxies likely to be gas-rich but too distant to have been detected by ALFALFA. The Arecibo </a:t>
-            </a:r>
-            <a:r>
-              <a:rPr lang="en-US" sz="2000" dirty="0">
-                <a:solidFill>
-                  <a:srgbClr val="000000"/>
-                </a:solidFill>
-                <a:latin typeface="Times New Roman"/>
-                <a:cs typeface="Times New Roman"/>
-              </a:rPr>
-              <a:t>L-Band Wide (LBW</a:t>
-            </a:r>
-            <a:r>
-              <a:rPr lang="en-US" sz="2000" dirty="0" smtClean="0">
-                <a:solidFill>
-                  <a:srgbClr val="000000"/>
-                </a:solidFill>
-                <a:latin typeface="Times New Roman"/>
-                <a:cs typeface="Times New Roman"/>
-              </a:rPr>
-              <a:t>) observations will be used to measure </a:t>
-            </a:r>
-            <a:r>
-              <a:rPr lang="en-US" sz="2000" baseline="0" dirty="0" smtClean="0">
-                <a:solidFill>
-                  <a:srgbClr val="000000"/>
-                </a:solidFill>
-                <a:latin typeface="Times New Roman"/>
-                <a:cs typeface="Times New Roman"/>
-              </a:rPr>
-              <a:t>the </a:t>
-            </a:r>
-            <a:r>
-              <a:rPr lang="en-US" sz="2000" baseline="0" dirty="0" err="1" smtClean="0">
-                <a:solidFill>
-                  <a:srgbClr val="000000"/>
-                </a:solidFill>
-                <a:latin typeface="Times New Roman"/>
-                <a:cs typeface="Times New Roman"/>
-              </a:rPr>
-              <a:t>infall</a:t>
-            </a:r>
-            <a:r>
-              <a:rPr lang="en-US" sz="2000" baseline="0" dirty="0" smtClean="0">
-                <a:solidFill>
-                  <a:srgbClr val="000000"/>
-                </a:solidFill>
-                <a:latin typeface="Times New Roman"/>
-                <a:cs typeface="Times New Roman"/>
-              </a:rPr>
-              <a:t> rate</a:t>
-            </a:r>
-            <a:r>
-              <a:rPr lang="en-US" sz="2000" dirty="0" smtClean="0">
-                <a:solidFill>
-                  <a:srgbClr val="000000"/>
-                </a:solidFill>
-                <a:latin typeface="Times New Roman"/>
-                <a:cs typeface="Times New Roman"/>
-              </a:rPr>
-              <a:t> onto the PPS filament. </a:t>
-            </a:r>
-            <a:r>
-              <a:rPr lang="en-US" sz="2000" b="1" baseline="0" dirty="0" smtClean="0">
-                <a:solidFill>
-                  <a:srgbClr val="000000"/>
-                </a:solidFill>
-                <a:latin typeface="Times New Roman"/>
-                <a:cs typeface="Times New Roman"/>
-              </a:rPr>
-              <a:t>ABOVE: </a:t>
-            </a:r>
-            <a:r>
-              <a:rPr lang="en-US" sz="2000" dirty="0" smtClean="0">
-                <a:solidFill>
-                  <a:srgbClr val="000000"/>
-                </a:solidFill>
-                <a:latin typeface="Times New Roman"/>
-                <a:cs typeface="Times New Roman"/>
-              </a:rPr>
-              <a:t>The top </a:t>
-            </a:r>
-            <a:r>
-              <a:rPr lang="en-US" sz="2000" dirty="0">
-                <a:solidFill>
-                  <a:srgbClr val="000000"/>
-                </a:solidFill>
-                <a:latin typeface="Times New Roman"/>
-                <a:cs typeface="Times New Roman"/>
-              </a:rPr>
-              <a:t>panel shows the preliminary APPSS </a:t>
-            </a:r>
-            <a:r>
-              <a:rPr lang="en-US" sz="2000" dirty="0" smtClean="0">
-                <a:solidFill>
-                  <a:srgbClr val="000000"/>
-                </a:solidFill>
-                <a:latin typeface="Times New Roman"/>
-                <a:cs typeface="Times New Roman"/>
-              </a:rPr>
-              <a:t>detections of declination strip 35 </a:t>
-            </a:r>
-            <a:r>
-              <a:rPr lang="en-US" sz="2000" dirty="0">
-                <a:solidFill>
-                  <a:srgbClr val="000000"/>
-                </a:solidFill>
-                <a:latin typeface="Times New Roman"/>
-                <a:cs typeface="Times New Roman"/>
-              </a:rPr>
-              <a:t>in </a:t>
-            </a:r>
-            <a:r>
-              <a:rPr lang="en-US" sz="2000" dirty="0" smtClean="0">
-                <a:solidFill>
-                  <a:srgbClr val="000000"/>
-                </a:solidFill>
-                <a:latin typeface="Times New Roman"/>
-                <a:cs typeface="Times New Roman"/>
-              </a:rPr>
-              <a:t>red</a:t>
-            </a:r>
-            <a:r>
-              <a:rPr lang="en-US" sz="2000" dirty="0" smtClean="0">
-                <a:solidFill>
-                  <a:srgbClr val="000000"/>
-                </a:solidFill>
-                <a:latin typeface="Times New Roman"/>
-                <a:cs typeface="Times New Roman"/>
-              </a:rPr>
-              <a:t>, </a:t>
-            </a:r>
-            <a:r>
-              <a:rPr lang="en-US" sz="2000" dirty="0">
-                <a:solidFill>
-                  <a:srgbClr val="000000"/>
-                </a:solidFill>
-                <a:latin typeface="Times New Roman"/>
-                <a:cs typeface="Times New Roman"/>
-              </a:rPr>
-              <a:t>with non-detections in </a:t>
-            </a:r>
-            <a:r>
-              <a:rPr lang="en-US" sz="2000" dirty="0" smtClean="0">
-                <a:solidFill>
-                  <a:srgbClr val="000000"/>
-                </a:solidFill>
-                <a:latin typeface="Times New Roman"/>
-                <a:cs typeface="Times New Roman"/>
-              </a:rPr>
-              <a:t>blue </a:t>
-            </a:r>
-            <a:r>
-              <a:rPr lang="en-US" sz="2000" dirty="0" smtClean="0">
-                <a:solidFill>
-                  <a:srgbClr val="000000"/>
-                </a:solidFill>
-                <a:latin typeface="Times New Roman"/>
-                <a:cs typeface="Times New Roman"/>
-              </a:rPr>
-              <a:t>and ALFALFA Catalog sample </a:t>
-            </a:r>
-            <a:r>
-              <a:rPr lang="en-US" sz="2000" dirty="0" smtClean="0">
-                <a:solidFill>
-                  <a:srgbClr val="000000"/>
-                </a:solidFill>
-                <a:latin typeface="Times New Roman"/>
-                <a:cs typeface="Times New Roman"/>
-              </a:rPr>
-              <a:t>in the vicinity of </a:t>
-            </a:r>
-            <a:r>
-              <a:rPr lang="en-US" sz="2000" dirty="0" smtClean="0">
-                <a:solidFill>
-                  <a:srgbClr val="000000"/>
-                </a:solidFill>
-                <a:latin typeface="Times New Roman"/>
-                <a:cs typeface="Times New Roman"/>
-              </a:rPr>
-              <a:t>the strip </a:t>
-            </a:r>
-            <a:r>
-              <a:rPr lang="en-US" sz="2000" dirty="0" smtClean="0">
-                <a:solidFill>
-                  <a:srgbClr val="000000"/>
-                </a:solidFill>
-                <a:latin typeface="Times New Roman"/>
-                <a:cs typeface="Times New Roman"/>
-              </a:rPr>
-              <a:t>in grey. The bottom panel shows </a:t>
-            </a:r>
-            <a:r>
-              <a:rPr lang="en-US" sz="2000" dirty="0">
-                <a:solidFill>
-                  <a:srgbClr val="000000"/>
-                </a:solidFill>
-                <a:latin typeface="Times New Roman"/>
-                <a:cs typeface="Times New Roman"/>
-              </a:rPr>
-              <a:t>the </a:t>
-            </a:r>
-            <a:r>
-              <a:rPr lang="en-US" sz="2000" dirty="0" smtClean="0">
-                <a:solidFill>
-                  <a:srgbClr val="000000"/>
-                </a:solidFill>
-                <a:latin typeface="Times New Roman"/>
-                <a:cs typeface="Times New Roman"/>
-              </a:rPr>
-              <a:t>velocities</a:t>
-            </a:r>
-            <a:r>
-              <a:rPr lang="en-US" sz="2000" dirty="0" smtClean="0">
-                <a:solidFill>
-                  <a:srgbClr val="000000"/>
-                </a:solidFill>
-                <a:latin typeface="Times New Roman"/>
-                <a:cs typeface="Times New Roman"/>
-              </a:rPr>
-              <a:t>.</a:t>
-            </a:r>
-            <a:endParaRPr lang="en-US" sz="2000" dirty="0">
-              <a:solidFill>
-                <a:srgbClr val="000000"/>
-              </a:solidFill>
-              <a:latin typeface="Times New Roman"/>
-              <a:cs typeface="Times New Roman"/>
-            </a:endParaRPr>
-          </a:p>
-        </p:txBody>
-      </p:sp>
-      <p:sp>
-        <p:nvSpPr>
           <p:cNvPr id="121" name="Rectangle 120"/>
           <p:cNvSpPr/>
           <p:nvPr/>
@@ -4439,65 +3953,6 @@
           </a:p>
         </p:txBody>
       </p:sp>
-      <p:pic>
-        <p:nvPicPr>
-          <p:cNvPr id="20" name="Picture 19" descr="apps_sample.eps"/>
-          <p:cNvPicPr>
-            <a:picLocks noChangeAspect="1"/>
-          </p:cNvPicPr>
-          <p:nvPr/>
-        </p:nvPicPr>
-        <p:blipFill>
-          <a:blip r:embed="rId6">
-            <a:extLst>
-              <a:ext uri="{28A0092B-C50C-407E-A947-70E740481C1C}">
-                <a14:useLocalDpi xmlns:a14="http://schemas.microsoft.com/office/drawing/2010/main" val="0"/>
-              </a:ext>
-            </a:extLst>
-          </a:blip>
-          <a:stretch>
-            <a:fillRect/>
-          </a:stretch>
-        </p:blipFill>
-        <p:spPr>
-          <a:xfrm>
-            <a:off x="915963" y="14997344"/>
-            <a:ext cx="4046007" cy="2697338"/>
-          </a:xfrm>
-          <a:prstGeom prst="rect">
-            <a:avLst/>
-          </a:prstGeom>
-        </p:spPr>
-      </p:pic>
-      <p:pic>
-        <p:nvPicPr>
-          <p:cNvPr id="17" name="Picture 16" descr="S214110.3+292456.png"/>
-          <p:cNvPicPr>
-            <a:picLocks noChangeAspect="1"/>
-          </p:cNvPicPr>
-          <p:nvPr/>
-        </p:nvPicPr>
-        <p:blipFill rotWithShape="1">
-          <a:blip r:embed="rId7">
-            <a:extLst>
-              <a:ext uri="{28A0092B-C50C-407E-A947-70E740481C1C}">
-                <a14:useLocalDpi xmlns:a14="http://schemas.microsoft.com/office/drawing/2010/main" val="0"/>
-              </a:ext>
-            </a:extLst>
-          </a:blip>
-          <a:srcRect t="16256" b="17251"/>
-          <a:stretch/>
-        </p:blipFill>
-        <p:spPr>
-          <a:xfrm>
-            <a:off x="6061024" y="15130664"/>
-            <a:ext cx="3520440" cy="2340864"/>
-          </a:xfrm>
-          <a:prstGeom prst="rect">
-            <a:avLst/>
-          </a:prstGeom>
-        </p:spPr>
-      </p:pic>
       <p:sp>
         <p:nvSpPr>
           <p:cNvPr id="117" name="Rectangle 116"/>
@@ -4571,91 +4026,6 @@
           </a:p>
         </p:txBody>
       </p:sp>
-      <p:sp>
-        <p:nvSpPr>
-          <p:cNvPr id="24" name="Rectangle 23"/>
-          <p:cNvSpPr/>
-          <p:nvPr/>
-        </p:nvSpPr>
-        <p:spPr>
-          <a:xfrm>
-            <a:off x="872686" y="17694682"/>
-            <a:ext cx="10599016" cy="6001643"/>
-          </a:xfrm>
-          <a:prstGeom prst="rect">
-            <a:avLst/>
-          </a:prstGeom>
-        </p:spPr>
-        <p:txBody>
-          <a:bodyPr wrap="square">
-            <a:spAutoFit/>
-          </a:bodyPr>
-          <a:lstStyle/>
-          <a:p>
-            <a:pPr algn="just"/>
-            <a:r>
-              <a:rPr lang="en-US" sz="4800" b="1" dirty="0" smtClean="0">
-                <a:solidFill>
-                  <a:srgbClr val="000000"/>
-                </a:solidFill>
-                <a:latin typeface="Times New Roman"/>
-                <a:cs typeface="Times New Roman"/>
-              </a:rPr>
-              <a:t>LEFT: </a:t>
-            </a:r>
-            <a:r>
-              <a:rPr lang="en-US" sz="4800" dirty="0" smtClean="0">
-                <a:solidFill>
-                  <a:srgbClr val="000000"/>
-                </a:solidFill>
-                <a:latin typeface="Times New Roman"/>
-                <a:cs typeface="Times New Roman"/>
-              </a:rPr>
-              <a:t>A baseline subtracted LBW spectrum of an APPSS detection  showing HI-emission at ~8500 km/s. </a:t>
-            </a:r>
-            <a:r>
-              <a:rPr lang="en-US" sz="4800" b="1" dirty="0" smtClean="0">
-                <a:solidFill>
-                  <a:srgbClr val="000000"/>
-                </a:solidFill>
-                <a:latin typeface="Times New Roman"/>
-                <a:cs typeface="Times New Roman"/>
-              </a:rPr>
-              <a:t>RIGHT:</a:t>
-            </a:r>
-            <a:r>
-              <a:rPr lang="en-US" sz="4800" dirty="0">
-                <a:solidFill>
-                  <a:srgbClr val="000000"/>
-                </a:solidFill>
-                <a:latin typeface="Times New Roman"/>
-                <a:cs typeface="Times New Roman"/>
-              </a:rPr>
-              <a:t> </a:t>
-            </a:r>
-            <a:r>
-              <a:rPr lang="en-US" sz="4800" dirty="0" smtClean="0">
-                <a:solidFill>
-                  <a:srgbClr val="000000"/>
-                </a:solidFill>
-                <a:latin typeface="Times New Roman"/>
-                <a:cs typeface="Times New Roman"/>
-              </a:rPr>
-              <a:t>The corresponding SDSS image of the APPSS source. With hundreds of similar spectra, APPSS is now in the data analysis phase. See </a:t>
-            </a:r>
-            <a:r>
-              <a:rPr lang="en-US" sz="4800" dirty="0">
-                <a:solidFill>
-                  <a:srgbClr val="000000"/>
-                </a:solidFill>
-                <a:latin typeface="Times New Roman"/>
-                <a:cs typeface="Times New Roman"/>
-              </a:rPr>
-              <a:t>Craig et al. (AAS 229.132.03) and Davis et al. (AAS 229.347.40) for details.</a:t>
-            </a:r>
-          </a:p>
-        </p:txBody>
-      </p:sp>
       <p:pic>
         <p:nvPicPr>
           <p:cNvPr id="122" name="Picture 121" descr="4C_UC_Logo_Vertical.jpg"/>
@@ -4665,7 +4035,7 @@
           <p:nvPr/>
         </p:nvPicPr>
         <p:blipFill>
-          <a:blip r:embed="rId8">
+          <a:blip r:embed="rId6">
             <a:extLst>
               <a:ext uri="{28A0092B-C50C-407E-A947-70E740481C1C}">
                 <a14:useLocalDpi xmlns:a14="http://schemas.microsoft.com/office/drawing/2010/main" val="0"/>
@@ -4702,8 +4072,7 @@
           </a:prstGeom>
           <a:solidFill>
             <a:schemeClr val="tx2">
-              <a:lumMod val="60000"/>
-              <a:lumOff val="40000"/>
+              <a:lumMod val="75000"/>
             </a:schemeClr>
           </a:solidFill>
           <a:ln>
@@ -4729,153 +4098,77 @@
           <a:lstStyle/>
           <a:p>
             <a:pPr algn="ctr"/>
-            <a:endParaRPr lang="en-US"/>
-          </a:p>
-        </p:txBody>
-      </p:sp>
-      <p:sp>
-        <p:nvSpPr>
-          <p:cNvPr id="2" name="TextBox 1"/>
-          <p:cNvSpPr txBox="1"/>
+            <a:endParaRPr lang="en-US">
+              <a:solidFill>
+                <a:schemeClr val="tx2"/>
+              </a:solidFill>
+            </a:endParaRPr>
+          </a:p>
+        </p:txBody>
+      </p:sp>
+      <p:pic>
+        <p:nvPicPr>
+          <p:cNvPr id="6" name="Picture 5" descr="flux_velocity_both.pdf"/>
+          <p:cNvPicPr>
+            <a:picLocks noChangeAspect="1"/>
+          </p:cNvPicPr>
           <p:nvPr/>
-        </p:nvSpPr>
+        </p:nvPicPr>
+        <p:blipFill>
+          <a:blip r:embed="rId7">
+            <a:extLst>
+              <a:ext uri="{28A0092B-C50C-407E-A947-70E740481C1C}">
+                <a14:useLocalDpi xmlns:a14="http://schemas.microsoft.com/office/drawing/2010/main" val="0"/>
+              </a:ext>
+            </a:extLst>
+          </a:blip>
+          <a:stretch>
+            <a:fillRect/>
+          </a:stretch>
+        </p:blipFill>
         <p:spPr>
           <a:xfrm>
-            <a:off x="12995617" y="18626068"/>
-            <a:ext cx="13715244" cy="1323439"/>
+            <a:off x="30013539" y="20116801"/>
+            <a:ext cx="6967427" cy="4644952"/>
           </a:xfrm>
           <a:prstGeom prst="rect">
             <a:avLst/>
           </a:prstGeom>
-          <a:noFill/>
         </p:spPr>
-        <p:txBody>
-          <a:bodyPr wrap="square" rtlCol="0">
-            <a:spAutoFit/>
-          </a:bodyPr>
-          <a:lstStyle/>
-          <a:p>
-            <a:endParaRPr lang="en-US" dirty="0"/>
-          </a:p>
-        </p:txBody>
-      </p:sp>
-      <p:sp>
-        <p:nvSpPr>
-          <p:cNvPr id="3" name="TextBox 2"/>
-          <p:cNvSpPr txBox="1"/>
+      </p:pic>
+      <p:pic>
+        <p:nvPicPr>
+          <p:cNvPr id="9" name="Picture 8" descr="124619_gaus_or_twohorned.tiff"/>
+          <p:cNvPicPr>
+            <a:picLocks noChangeAspect="1"/>
+          </p:cNvPicPr>
           <p:nvPr/>
-        </p:nvSpPr>
+        </p:nvPicPr>
+        <p:blipFill>
+          <a:blip r:embed="rId8">
+            <a:extLst>
+              <a:ext uri="{28A0092B-C50C-407E-A947-70E740481C1C}">
+                <a14:useLocalDpi xmlns:a14="http://schemas.microsoft.com/office/drawing/2010/main" val="0"/>
+              </a:ext>
+            </a:extLst>
+          </a:blip>
+          <a:stretch>
+            <a:fillRect/>
+          </a:stretch>
+        </p:blipFill>
         <p:spPr>
           <a:xfrm>
-            <a:off x="11471701" y="6849570"/>
-            <a:ext cx="15239160" cy="8402302"/>
+            <a:off x="10224415" y="13923486"/>
+            <a:ext cx="7550786" cy="4694714"/>
           </a:xfrm>
           <a:prstGeom prst="rect">
             <a:avLst/>
           </a:prstGeom>
-          <a:noFill/>
         </p:spPr>
-        <p:txBody>
-          <a:bodyPr wrap="square" rtlCol="0">
-            <a:spAutoFit/>
-          </a:bodyPr>
-          <a:lstStyle/>
-          <a:p>
-            <a:r>
-              <a:rPr lang="en-US" sz="3600" dirty="0">
-                <a:latin typeface="Times New Roman"/>
-                <a:cs typeface="Times New Roman"/>
-              </a:rPr>
-              <a:t>The Arecibo Pisces-Perseus </a:t>
-            </a:r>
-            <a:r>
-              <a:rPr lang="en-US" sz="3600" dirty="0" err="1">
-                <a:latin typeface="Times New Roman"/>
-                <a:cs typeface="Times New Roman"/>
-              </a:rPr>
-              <a:t>Supercluster</a:t>
-            </a:r>
-            <a:r>
-              <a:rPr lang="en-US" sz="3600" dirty="0">
-                <a:latin typeface="Times New Roman"/>
-                <a:cs typeface="Times New Roman"/>
-              </a:rPr>
-              <a:t> Survey (APPSS) will provide strong observational constraints on the mass-</a:t>
-            </a:r>
-            <a:r>
-              <a:rPr lang="en-US" sz="3600" dirty="0" err="1">
-                <a:latin typeface="Times New Roman"/>
-                <a:cs typeface="Times New Roman"/>
-              </a:rPr>
-              <a:t>infall</a:t>
-            </a:r>
-            <a:r>
-              <a:rPr lang="en-US" sz="3600" dirty="0">
-                <a:latin typeface="Times New Roman"/>
-                <a:cs typeface="Times New Roman"/>
-              </a:rPr>
-              <a:t> rate onto the main filament of the Pisces-Perseus </a:t>
-            </a:r>
-            <a:r>
-              <a:rPr lang="en-US" sz="3600" dirty="0" err="1">
-                <a:latin typeface="Times New Roman"/>
-                <a:cs typeface="Times New Roman"/>
-              </a:rPr>
-              <a:t>Supercluster</a:t>
-            </a:r>
-            <a:r>
-              <a:rPr lang="en-US" sz="3600" dirty="0">
-                <a:latin typeface="Times New Roman"/>
-                <a:cs typeface="Times New Roman"/>
-              </a:rPr>
-              <a:t>. The survey data consist of HI emission-line spectra of cluster galaxy candidates, obtained primarily at the Arecibo Observatory (with ALFA as part of the ALFALFA Survey and with the L-Band Wide receiver as part of APPSS observations). Here we present the details of the data reduction process and spectral-analysis techniques used to determine if a galaxy candidate is at a velocity consistent with the </a:t>
-            </a:r>
-            <a:r>
-              <a:rPr lang="en-US" sz="3600" dirty="0" err="1">
-                <a:latin typeface="Times New Roman"/>
-                <a:cs typeface="Times New Roman"/>
-              </a:rPr>
-              <a:t>Supercluster</a:t>
-            </a:r>
-            <a:r>
-              <a:rPr lang="en-US" sz="3600" dirty="0">
-                <a:latin typeface="Times New Roman"/>
-                <a:cs typeface="Times New Roman"/>
-              </a:rPr>
-              <a:t>, as well as the detected HI-flux and rotational velocity of the galaxy, which will be used to estimate the corresponding HI-mass. We discuss the results of a preliminary analysis on a subset of the APPSS sample, corresponding to 98 galaxies located within ~1.5° of DEC = +35.0°, with 65 possible detections. We also highlight several interesting emission-line features and galaxies discovered during the reduction and analysis process and layout the future of the APPSS project</a:t>
-            </a:r>
-            <a:r>
-              <a:rPr lang="en-US" sz="3600" dirty="0" smtClean="0">
-                <a:latin typeface="Times New Roman"/>
-                <a:cs typeface="Times New Roman"/>
-              </a:rPr>
-              <a:t>. </a:t>
-            </a:r>
-          </a:p>
-          <a:p>
-            <a:r>
-              <a:rPr lang="en-US" sz="3600" dirty="0" smtClean="0">
-                <a:solidFill>
-                  <a:srgbClr val="FF0000"/>
-                </a:solidFill>
-                <a:latin typeface="Times New Roman"/>
-                <a:cs typeface="Times New Roman"/>
-              </a:rPr>
-              <a:t> This work has been supported by NSF grants AST-1211005 and AST-1637339. </a:t>
-            </a:r>
-            <a:endParaRPr lang="en-US" sz="3600" dirty="0">
-              <a:solidFill>
-                <a:srgbClr val="FF0000"/>
-              </a:solidFill>
-              <a:latin typeface="Times New Roman"/>
-              <a:cs typeface="Times New Roman"/>
-            </a:endParaRPr>
-          </a:p>
-        </p:txBody>
-      </p:sp>
+      </p:pic>
       <p:pic>
         <p:nvPicPr>
-          <p:cNvPr id="6" name="Picture 5" descr="flux_velocity_both.pdf"/>
+          <p:cNvPr id="10" name="Picture 9" descr="HI_mass_dist.pdf"/>
           <p:cNvPicPr>
             <a:picLocks noChangeAspect="1"/>
           </p:cNvPicPr>
@@ -4895,8 +4188,188 @@
         </p:blipFill>
         <p:spPr>
           <a:xfrm>
-            <a:off x="29321948" y="10102532"/>
-            <a:ext cx="5029075" cy="3352717"/>
+            <a:off x="30010333" y="15494550"/>
+            <a:ext cx="6776081" cy="4517387"/>
+          </a:xfrm>
+          <a:prstGeom prst="rect">
+            <a:avLst/>
+          </a:prstGeom>
+        </p:spPr>
+      </p:pic>
+      <p:pic>
+        <p:nvPicPr>
+          <p:cNvPr id="15" name="Picture 14" descr="1p.tiff"/>
+          <p:cNvPicPr>
+            <a:picLocks noChangeAspect="1"/>
+          </p:cNvPicPr>
+          <p:nvPr/>
+        </p:nvPicPr>
+        <p:blipFill>
+          <a:blip r:embed="rId10">
+            <a:extLst>
+              <a:ext uri="{28A0092B-C50C-407E-A947-70E740481C1C}">
+                <a14:useLocalDpi xmlns:a14="http://schemas.microsoft.com/office/drawing/2010/main" val="0"/>
+              </a:ext>
+            </a:extLst>
+          </a:blip>
+          <a:stretch>
+            <a:fillRect/>
+          </a:stretch>
+        </p:blipFill>
+        <p:spPr>
+          <a:xfrm>
+            <a:off x="2071799" y="4944431"/>
+            <a:ext cx="6949440" cy="3014057"/>
+          </a:xfrm>
+          <a:prstGeom prst="rect">
+            <a:avLst/>
+          </a:prstGeom>
+        </p:spPr>
+      </p:pic>
+      <p:pic>
+        <p:nvPicPr>
+          <p:cNvPr id="19" name="Picture 18" descr="4n.tiff"/>
+          <p:cNvPicPr>
+            <a:picLocks noChangeAspect="1"/>
+          </p:cNvPicPr>
+          <p:nvPr/>
+        </p:nvPicPr>
+        <p:blipFill>
+          <a:blip r:embed="rId11">
+            <a:extLst>
+              <a:ext uri="{28A0092B-C50C-407E-A947-70E740481C1C}">
+                <a14:useLocalDpi xmlns:a14="http://schemas.microsoft.com/office/drawing/2010/main" val="0"/>
+              </a:ext>
+            </a:extLst>
+          </a:blip>
+          <a:stretch>
+            <a:fillRect/>
+          </a:stretch>
+        </p:blipFill>
+        <p:spPr>
+          <a:xfrm>
+            <a:off x="2071799" y="11478074"/>
+            <a:ext cx="6949440" cy="2929517"/>
+          </a:xfrm>
+          <a:prstGeom prst="rect">
+            <a:avLst/>
+          </a:prstGeom>
+        </p:spPr>
+      </p:pic>
+      <p:pic>
+        <p:nvPicPr>
+          <p:cNvPr id="21" name="Picture 20" descr="5n.tiff"/>
+          <p:cNvPicPr>
+            <a:picLocks noChangeAspect="1"/>
+          </p:cNvPicPr>
+          <p:nvPr/>
+        </p:nvPicPr>
+        <p:blipFill>
+          <a:blip r:embed="rId12">
+            <a:extLst>
+              <a:ext uri="{28A0092B-C50C-407E-A947-70E740481C1C}">
+                <a14:useLocalDpi xmlns:a14="http://schemas.microsoft.com/office/drawing/2010/main" val="0"/>
+              </a:ext>
+            </a:extLst>
+          </a:blip>
+          <a:stretch>
+            <a:fillRect/>
+          </a:stretch>
+        </p:blipFill>
+        <p:spPr>
+          <a:xfrm>
+            <a:off x="2071799" y="14749227"/>
+            <a:ext cx="6949440" cy="2937674"/>
+          </a:xfrm>
+          <a:prstGeom prst="rect">
+            <a:avLst/>
+          </a:prstGeom>
+        </p:spPr>
+      </p:pic>
+      <p:pic>
+        <p:nvPicPr>
+          <p:cNvPr id="25" name="Picture 24" descr="6n.tiff"/>
+          <p:cNvPicPr>
+            <a:picLocks noChangeAspect="1"/>
+          </p:cNvPicPr>
+          <p:nvPr/>
+        </p:nvPicPr>
+        <p:blipFill>
+          <a:blip r:embed="rId13">
+            <a:extLst>
+              <a:ext uri="{28A0092B-C50C-407E-A947-70E740481C1C}">
+                <a14:useLocalDpi xmlns:a14="http://schemas.microsoft.com/office/drawing/2010/main" val="0"/>
+              </a:ext>
+            </a:extLst>
+          </a:blip>
+          <a:stretch>
+            <a:fillRect/>
+          </a:stretch>
+        </p:blipFill>
+        <p:spPr>
+          <a:xfrm>
+            <a:off x="2071799" y="17934330"/>
+            <a:ext cx="6949440" cy="2928922"/>
+          </a:xfrm>
+          <a:prstGeom prst="rect">
+            <a:avLst/>
+          </a:prstGeom>
+        </p:spPr>
+      </p:pic>
+      <p:pic>
+        <p:nvPicPr>
+          <p:cNvPr id="26" name="Picture 25" descr="3n.tiff"/>
+          <p:cNvPicPr>
+            <a:picLocks noChangeAspect="1"/>
+          </p:cNvPicPr>
+          <p:nvPr/>
+        </p:nvPicPr>
+        <p:blipFill>
+          <a:blip r:embed="rId14">
+            <a:extLst>
+              <a:ext uri="{28A0092B-C50C-407E-A947-70E740481C1C}">
+                <a14:useLocalDpi xmlns:a14="http://schemas.microsoft.com/office/drawing/2010/main" val="0"/>
+              </a:ext>
+            </a:extLst>
+          </a:blip>
+          <a:stretch>
+            <a:fillRect/>
+          </a:stretch>
+        </p:blipFill>
+        <p:spPr>
+          <a:xfrm>
+            <a:off x="2071799" y="8289799"/>
+            <a:ext cx="6949440" cy="2937414"/>
+          </a:xfrm>
+          <a:prstGeom prst="rect">
+            <a:avLst/>
+          </a:prstGeom>
+        </p:spPr>
+      </p:pic>
+      <p:pic>
+        <p:nvPicPr>
+          <p:cNvPr id="28" name="Picture 27" descr="goes_with_other.tiff"/>
+          <p:cNvPicPr>
+            <a:picLocks noChangeAspect="1"/>
+          </p:cNvPicPr>
+          <p:nvPr/>
+        </p:nvPicPr>
+        <p:blipFill>
+          <a:blip r:embed="rId15">
+            <a:extLst>
+              <a:ext uri="{28A0092B-C50C-407E-A947-70E740481C1C}">
+                <a14:useLocalDpi xmlns:a14="http://schemas.microsoft.com/office/drawing/2010/main" val="0"/>
+              </a:ext>
+            </a:extLst>
+          </a:blip>
+          <a:stretch>
+            <a:fillRect/>
+          </a:stretch>
+        </p:blipFill>
+        <p:spPr>
+          <a:xfrm>
+            <a:off x="18872200" y="13845930"/>
+            <a:ext cx="6459071" cy="4517387"/>
           </a:xfrm>
           <a:prstGeom prst="rect">
             <a:avLst/>

--- a/aas_2018_cnm.pptx
+++ b/aas_2018_cnm.pptx
@@ -288,7 +288,7 @@
           <a:p>
             <a:fld id="{125C00E5-E059-184D-A918-4675B9DE6888}" type="datetimeFigureOut">
               <a:rPr lang="en-US" smtClean="0"/>
-              <a:t>12/1/17</a:t>
+              <a:t>12/4/17</a:t>
             </a:fld>
             <a:endParaRPr lang="en-US"/>
           </a:p>
@@ -458,7 +458,7 @@
           <a:p>
             <a:fld id="{125C00E5-E059-184D-A918-4675B9DE6888}" type="datetimeFigureOut">
               <a:rPr lang="en-US" smtClean="0"/>
-              <a:t>12/1/17</a:t>
+              <a:t>12/4/17</a:t>
             </a:fld>
             <a:endParaRPr lang="en-US"/>
           </a:p>
@@ -638,7 +638,7 @@
           <a:p>
             <a:fld id="{125C00E5-E059-184D-A918-4675B9DE6888}" type="datetimeFigureOut">
               <a:rPr lang="en-US" smtClean="0"/>
-              <a:t>12/1/17</a:t>
+              <a:t>12/4/17</a:t>
             </a:fld>
             <a:endParaRPr lang="en-US"/>
           </a:p>
@@ -808,7 +808,7 @@
           <a:p>
             <a:fld id="{125C00E5-E059-184D-A918-4675B9DE6888}" type="datetimeFigureOut">
               <a:rPr lang="en-US" smtClean="0"/>
-              <a:t>12/1/17</a:t>
+              <a:t>12/4/17</a:t>
             </a:fld>
             <a:endParaRPr lang="en-US"/>
           </a:p>
@@ -1054,7 +1054,7 @@
           <a:p>
             <a:fld id="{125C00E5-E059-184D-A918-4675B9DE6888}" type="datetimeFigureOut">
               <a:rPr lang="en-US" smtClean="0"/>
-              <a:t>12/1/17</a:t>
+              <a:t>12/4/17</a:t>
             </a:fld>
             <a:endParaRPr lang="en-US"/>
           </a:p>
@@ -1342,7 +1342,7 @@
           <a:p>
             <a:fld id="{125C00E5-E059-184D-A918-4675B9DE6888}" type="datetimeFigureOut">
               <a:rPr lang="en-US" smtClean="0"/>
-              <a:t>12/1/17</a:t>
+              <a:t>12/4/17</a:t>
             </a:fld>
             <a:endParaRPr lang="en-US"/>
           </a:p>
@@ -1769,7 +1769,7 @@
           <a:p>
             <a:fld id="{125C00E5-E059-184D-A918-4675B9DE6888}" type="datetimeFigureOut">
               <a:rPr lang="en-US" smtClean="0"/>
-              <a:t>12/1/17</a:t>
+              <a:t>12/4/17</a:t>
             </a:fld>
             <a:endParaRPr lang="en-US"/>
           </a:p>
@@ -1887,7 +1887,7 @@
           <a:p>
             <a:fld id="{125C00E5-E059-184D-A918-4675B9DE6888}" type="datetimeFigureOut">
               <a:rPr lang="en-US" smtClean="0"/>
-              <a:t>12/1/17</a:t>
+              <a:t>12/4/17</a:t>
             </a:fld>
             <a:endParaRPr lang="en-US"/>
           </a:p>
@@ -1982,7 +1982,7 @@
           <a:p>
             <a:fld id="{125C00E5-E059-184D-A918-4675B9DE6888}" type="datetimeFigureOut">
               <a:rPr lang="en-US" smtClean="0"/>
-              <a:t>12/1/17</a:t>
+              <a:t>12/4/17</a:t>
             </a:fld>
             <a:endParaRPr lang="en-US"/>
           </a:p>
@@ -2259,7 +2259,7 @@
           <a:p>
             <a:fld id="{125C00E5-E059-184D-A918-4675B9DE6888}" type="datetimeFigureOut">
               <a:rPr lang="en-US" smtClean="0"/>
-              <a:t>12/1/17</a:t>
+              <a:t>12/4/17</a:t>
             </a:fld>
             <a:endParaRPr lang="en-US"/>
           </a:p>
@@ -2512,7 +2512,7 @@
           <a:p>
             <a:fld id="{125C00E5-E059-184D-A918-4675B9DE6888}" type="datetimeFigureOut">
               <a:rPr lang="en-US" smtClean="0"/>
-              <a:t>12/1/17</a:t>
+              <a:t>12/4/17</a:t>
             </a:fld>
             <a:endParaRPr lang="en-US"/>
           </a:p>
@@ -2725,7 +2725,7 @@
           <a:p>
             <a:fld id="{125C00E5-E059-184D-A918-4675B9DE6888}" type="datetimeFigureOut">
               <a:rPr lang="en-US" smtClean="0"/>
-              <a:t>12/1/17</a:t>
+              <a:t>12/4/17</a:t>
             </a:fld>
             <a:endParaRPr lang="en-US"/>
           </a:p>
@@ -3100,6 +3100,342 @@
           <a:chExt cx="0" cy="0"/>
         </a:xfrm>
       </p:grpSpPr>
+      <p:sp>
+        <p:nvSpPr>
+          <p:cNvPr id="35" name="Rectangle 34"/>
+          <p:cNvSpPr/>
+          <p:nvPr/>
+        </p:nvSpPr>
+        <p:spPr>
+          <a:xfrm>
+            <a:off x="33088796" y="20679478"/>
+            <a:ext cx="4389631" cy="4588211"/>
+          </a:xfrm>
+          <a:prstGeom prst="rect">
+            <a:avLst/>
+          </a:prstGeom>
+          <a:solidFill>
+            <a:srgbClr val="1F497D"/>
+          </a:solidFill>
+          <a:ln>
+            <a:solidFill>
+              <a:schemeClr val="bg1">
+                <a:lumMod val="85000"/>
+              </a:schemeClr>
+            </a:solidFill>
+          </a:ln>
+        </p:spPr>
+        <p:style>
+          <a:lnRef idx="1">
+            <a:schemeClr val="accent1"/>
+          </a:lnRef>
+          <a:fillRef idx="3">
+            <a:schemeClr val="accent1"/>
+          </a:fillRef>
+          <a:effectRef idx="2">
+            <a:schemeClr val="accent1"/>
+          </a:effectRef>
+          <a:fontRef idx="minor">
+            <a:schemeClr val="lt1"/>
+          </a:fontRef>
+        </p:style>
+        <p:txBody>
+          <a:bodyPr rtlCol="0" anchor="ctr"/>
+          <a:lstStyle/>
+          <a:p>
+            <a:pPr algn="ctr"/>
+            <a:endParaRPr lang="en-US"/>
+          </a:p>
+        </p:txBody>
+      </p:sp>
+      <p:sp>
+        <p:nvSpPr>
+          <p:cNvPr id="34" name="Rectangle 33"/>
+          <p:cNvSpPr/>
+          <p:nvPr/>
+        </p:nvSpPr>
+        <p:spPr>
+          <a:xfrm>
+            <a:off x="28498537" y="14555769"/>
+            <a:ext cx="8297303" cy="5192981"/>
+          </a:xfrm>
+          <a:prstGeom prst="rect">
+            <a:avLst/>
+          </a:prstGeom>
+          <a:solidFill>
+            <a:srgbClr val="1F497D"/>
+          </a:solidFill>
+          <a:ln>
+            <a:solidFill>
+              <a:schemeClr val="bg1">
+                <a:lumMod val="85000"/>
+              </a:schemeClr>
+            </a:solidFill>
+          </a:ln>
+        </p:spPr>
+        <p:style>
+          <a:lnRef idx="1">
+            <a:schemeClr val="accent1"/>
+          </a:lnRef>
+          <a:fillRef idx="3">
+            <a:schemeClr val="accent1"/>
+          </a:fillRef>
+          <a:effectRef idx="2">
+            <a:schemeClr val="accent1"/>
+          </a:effectRef>
+          <a:fontRef idx="minor">
+            <a:schemeClr val="lt1"/>
+          </a:fontRef>
+        </p:style>
+        <p:txBody>
+          <a:bodyPr rtlCol="0" anchor="ctr"/>
+          <a:lstStyle/>
+          <a:p>
+            <a:pPr algn="ctr"/>
+            <a:endParaRPr lang="en-US"/>
+          </a:p>
+        </p:txBody>
+      </p:sp>
+      <p:sp>
+        <p:nvSpPr>
+          <p:cNvPr id="31" name="Rectangle 30"/>
+          <p:cNvSpPr/>
+          <p:nvPr/>
+        </p:nvSpPr>
+        <p:spPr>
+          <a:xfrm>
+            <a:off x="1843199" y="23449032"/>
+            <a:ext cx="6742001" cy="9160436"/>
+          </a:xfrm>
+          <a:prstGeom prst="rect">
+            <a:avLst/>
+          </a:prstGeom>
+          <a:solidFill>
+            <a:srgbClr val="1F497D"/>
+          </a:solidFill>
+          <a:ln>
+            <a:solidFill>
+              <a:schemeClr val="bg1">
+                <a:lumMod val="85000"/>
+              </a:schemeClr>
+            </a:solidFill>
+          </a:ln>
+        </p:spPr>
+        <p:style>
+          <a:lnRef idx="1">
+            <a:schemeClr val="accent1"/>
+          </a:lnRef>
+          <a:fillRef idx="3">
+            <a:schemeClr val="accent1"/>
+          </a:fillRef>
+          <a:effectRef idx="2">
+            <a:schemeClr val="accent1"/>
+          </a:effectRef>
+          <a:fontRef idx="minor">
+            <a:schemeClr val="lt1"/>
+          </a:fontRef>
+        </p:style>
+        <p:txBody>
+          <a:bodyPr rtlCol="0" anchor="ctr"/>
+          <a:lstStyle/>
+          <a:p>
+            <a:pPr algn="ctr"/>
+            <a:endParaRPr lang="en-US"/>
+          </a:p>
+        </p:txBody>
+      </p:sp>
+      <p:sp>
+        <p:nvSpPr>
+          <p:cNvPr id="30" name="Rectangle 29"/>
+          <p:cNvSpPr/>
+          <p:nvPr/>
+        </p:nvSpPr>
+        <p:spPr>
+          <a:xfrm>
+            <a:off x="12547600" y="13846806"/>
+            <a:ext cx="14757400" cy="10116442"/>
+          </a:xfrm>
+          <a:prstGeom prst="rect">
+            <a:avLst/>
+          </a:prstGeom>
+          <a:solidFill>
+            <a:srgbClr val="1F497D"/>
+          </a:solidFill>
+          <a:ln>
+            <a:solidFill>
+              <a:schemeClr val="bg1">
+                <a:lumMod val="85000"/>
+              </a:schemeClr>
+            </a:solidFill>
+          </a:ln>
+        </p:spPr>
+        <p:style>
+          <a:lnRef idx="1">
+            <a:schemeClr val="accent1"/>
+          </a:lnRef>
+          <a:fillRef idx="3">
+            <a:schemeClr val="accent1"/>
+          </a:fillRef>
+          <a:effectRef idx="2">
+            <a:schemeClr val="accent1"/>
+          </a:effectRef>
+          <a:fontRef idx="minor">
+            <a:schemeClr val="lt1"/>
+          </a:fontRef>
+        </p:style>
+        <p:txBody>
+          <a:bodyPr rtlCol="0" anchor="ctr"/>
+          <a:lstStyle/>
+          <a:p>
+            <a:pPr algn="ctr"/>
+            <a:endParaRPr lang="en-US"/>
+          </a:p>
+        </p:txBody>
+      </p:sp>
+      <p:sp>
+        <p:nvSpPr>
+          <p:cNvPr id="29" name="Rectangle 28"/>
+          <p:cNvSpPr/>
+          <p:nvPr/>
+        </p:nvSpPr>
+        <p:spPr>
+          <a:xfrm>
+            <a:off x="30341028" y="4792031"/>
+            <a:ext cx="7137400" cy="9203369"/>
+          </a:xfrm>
+          <a:prstGeom prst="rect">
+            <a:avLst/>
+          </a:prstGeom>
+          <a:solidFill>
+            <a:srgbClr val="1F497D"/>
+          </a:solidFill>
+          <a:ln>
+            <a:solidFill>
+              <a:schemeClr val="bg1">
+                <a:lumMod val="85000"/>
+              </a:schemeClr>
+            </a:solidFill>
+          </a:ln>
+        </p:spPr>
+        <p:style>
+          <a:lnRef idx="1">
+            <a:schemeClr val="accent1"/>
+          </a:lnRef>
+          <a:fillRef idx="3">
+            <a:schemeClr val="accent1"/>
+          </a:fillRef>
+          <a:effectRef idx="2">
+            <a:schemeClr val="accent1"/>
+          </a:effectRef>
+          <a:fontRef idx="minor">
+            <a:schemeClr val="lt1"/>
+          </a:fontRef>
+        </p:style>
+        <p:txBody>
+          <a:bodyPr rtlCol="0" anchor="ctr"/>
+          <a:lstStyle/>
+          <a:p>
+            <a:pPr algn="ctr"/>
+            <a:endParaRPr lang="en-US"/>
+          </a:p>
+        </p:txBody>
+      </p:sp>
+      <p:sp>
+        <p:nvSpPr>
+          <p:cNvPr id="27" name="Rectangle 26"/>
+          <p:cNvSpPr/>
+          <p:nvPr/>
+        </p:nvSpPr>
+        <p:spPr>
+          <a:xfrm>
+            <a:off x="10803756" y="4792031"/>
+            <a:ext cx="18262600" cy="8809256"/>
+          </a:xfrm>
+          <a:prstGeom prst="rect">
+            <a:avLst/>
+          </a:prstGeom>
+          <a:solidFill>
+            <a:srgbClr val="1F497D"/>
+          </a:solidFill>
+          <a:ln>
+            <a:solidFill>
+              <a:schemeClr val="bg1">
+                <a:lumMod val="85000"/>
+              </a:schemeClr>
+            </a:solidFill>
+          </a:ln>
+        </p:spPr>
+        <p:style>
+          <a:lnRef idx="1">
+            <a:schemeClr val="accent1"/>
+          </a:lnRef>
+          <a:fillRef idx="3">
+            <a:schemeClr val="accent1"/>
+          </a:fillRef>
+          <a:effectRef idx="2">
+            <a:schemeClr val="accent1"/>
+          </a:effectRef>
+          <a:fontRef idx="minor">
+            <a:schemeClr val="lt1"/>
+          </a:fontRef>
+        </p:style>
+        <p:txBody>
+          <a:bodyPr rtlCol="0" anchor="ctr"/>
+          <a:lstStyle/>
+          <a:p>
+            <a:pPr algn="ctr"/>
+            <a:endParaRPr lang="en-US"/>
+          </a:p>
+        </p:txBody>
+      </p:sp>
+      <p:sp>
+        <p:nvSpPr>
+          <p:cNvPr id="3" name="Rectangle 2"/>
+          <p:cNvSpPr/>
+          <p:nvPr/>
+        </p:nvSpPr>
+        <p:spPr>
+          <a:xfrm>
+            <a:off x="1690799" y="4546600"/>
+            <a:ext cx="7300801" cy="16510000"/>
+          </a:xfrm>
+          <a:prstGeom prst="rect">
+            <a:avLst/>
+          </a:prstGeom>
+          <a:solidFill>
+            <a:srgbClr val="1F497D"/>
+          </a:solidFill>
+          <a:ln>
+            <a:solidFill>
+              <a:schemeClr val="bg1">
+                <a:lumMod val="85000"/>
+              </a:schemeClr>
+            </a:solidFill>
+          </a:ln>
+        </p:spPr>
+        <p:style>
+          <a:lnRef idx="1">
+            <a:schemeClr val="accent1"/>
+          </a:lnRef>
+          <a:fillRef idx="3">
+            <a:schemeClr val="accent1"/>
+          </a:fillRef>
+          <a:effectRef idx="2">
+            <a:schemeClr val="accent1"/>
+          </a:effectRef>
+          <a:fontRef idx="minor">
+            <a:schemeClr val="lt1"/>
+          </a:fontRef>
+        </p:style>
+        <p:txBody>
+          <a:bodyPr rtlCol="0" anchor="ctr"/>
+          <a:lstStyle/>
+          <a:p>
+            <a:pPr algn="ctr"/>
+            <a:endParaRPr lang="en-US"/>
+          </a:p>
+        </p:txBody>
+      </p:sp>
       <p:pic>
         <p:nvPicPr>
           <p:cNvPr id="5" name="Picture 4" descr="APPSS_ALFALFA_vsys.pdf"/>
@@ -3122,8 +3458,8 @@
         </p:blipFill>
         <p:spPr>
           <a:xfrm>
-            <a:off x="26878474" y="9240715"/>
-            <a:ext cx="12158340" cy="4052779"/>
+            <a:off x="13105441" y="19116062"/>
+            <a:ext cx="13712759" cy="4643076"/>
           </a:xfrm>
           <a:prstGeom prst="rect">
             <a:avLst/>
@@ -3152,8 +3488,8 @@
         </p:blipFill>
         <p:spPr>
           <a:xfrm>
-            <a:off x="26878474" y="4944431"/>
-            <a:ext cx="12158340" cy="4120530"/>
+            <a:off x="13105441" y="14184117"/>
+            <a:ext cx="13640759" cy="4622930"/>
           </a:xfrm>
           <a:prstGeom prst="rect">
             <a:avLst/>
@@ -3170,7 +3506,7 @@
         </p:nvSpPr>
         <p:spPr bwMode="auto">
           <a:xfrm>
-            <a:off x="904205" y="679584"/>
+            <a:off x="2352005" y="679584"/>
             <a:ext cx="33960582" cy="3785646"/>
           </a:xfrm>
           <a:prstGeom prst="rect">
@@ -3298,6 +3634,7 @@
             </a:lvl9pPr>
           </a:lstStyle>
           <a:p>
+            <a:pPr algn="ctr"/>
             <a:r>
               <a:rPr lang="en-US" sz="8800" b="1" baseline="0" dirty="0" smtClean="0">
                 <a:solidFill>
@@ -3345,6 +3682,7 @@
             </a:r>
           </a:p>
           <a:p>
+            <a:pPr algn="ctr"/>
             <a:r>
               <a:rPr lang="en-US" sz="5400" b="1" i="1" baseline="0" dirty="0">
                 <a:solidFill>
@@ -3434,6 +3772,7 @@
             </a:endParaRPr>
           </a:p>
           <a:p>
+            <a:pPr algn="ctr"/>
             <a:r>
               <a:rPr lang="en-US" sz="5400" b="1" i="1" baseline="30000" dirty="0">
                 <a:solidFill>
@@ -3514,7 +3853,7 @@
         </p:nvSpPr>
         <p:spPr bwMode="auto">
           <a:xfrm>
-            <a:off x="10682492" y="5095250"/>
+            <a:off x="11398965" y="5129281"/>
             <a:ext cx="17039817" cy="8198244"/>
           </a:xfrm>
           <a:prstGeom prst="rect">
@@ -3682,7 +4021,7 @@
         </p:nvSpPr>
         <p:spPr>
           <a:xfrm>
-            <a:off x="16716060" y="5188650"/>
+            <a:off x="17651924" y="5187131"/>
             <a:ext cx="4533900" cy="1477321"/>
           </a:xfrm>
           <a:prstGeom prst="rect">
@@ -3771,7 +4110,7 @@
         </p:blipFill>
         <p:spPr>
           <a:xfrm>
-            <a:off x="36096045" y="3218838"/>
+            <a:off x="36487828" y="2331727"/>
             <a:ext cx="1415720" cy="1415720"/>
           </a:xfrm>
           <a:prstGeom prst="rect">
@@ -3801,7 +4140,7 @@
         </p:blipFill>
         <p:spPr>
           <a:xfrm>
-            <a:off x="34351023" y="3090233"/>
+            <a:off x="36312587" y="679584"/>
             <a:ext cx="1590961" cy="1590961"/>
           </a:xfrm>
           <a:prstGeom prst="rect">
@@ -3809,223 +4148,6 @@
           </a:prstGeom>
         </p:spPr>
       </p:pic>
-      <p:sp>
-        <p:nvSpPr>
-          <p:cNvPr id="90" name="Rectangle 89"/>
-          <p:cNvSpPr/>
-          <p:nvPr/>
-        </p:nvSpPr>
-        <p:spPr bwMode="auto">
-          <a:xfrm>
-            <a:off x="751725" y="12219000"/>
-            <a:ext cx="8910386" cy="2843232"/>
-          </a:xfrm>
-          <a:prstGeom prst="rect">
-            <a:avLst/>
-          </a:prstGeom>
-          <a:solidFill>
-            <a:schemeClr val="bg1">
-              <a:alpha val="91000"/>
-            </a:schemeClr>
-          </a:solidFill>
-          <a:ln w="38100" cap="flat" cmpd="sng" algn="ctr">
-            <a:noFill/>
-            <a:prstDash val="solid"/>
-            <a:round/>
-            <a:headEnd type="none" w="med" len="med"/>
-            <a:tailEnd type="none" w="med" len="med"/>
-          </a:ln>
-          <a:effectLst/>
-        </p:spPr>
-        <p:txBody>
-          <a:bodyPr vert="horz" wrap="square" lIns="91433" tIns="45717" rIns="91433" bIns="45717" numCol="1" rtlCol="0" anchor="t" anchorCtr="0" compatLnSpc="1">
-            <a:prstTxWarp prst="textNoShape">
-              <a:avLst/>
-            </a:prstTxWarp>
-          </a:bodyPr>
-          <a:lstStyle/>
-          <a:p>
-            <a:pPr algn="just"/>
-            <a:endParaRPr lang="en-US" sz="3200" b="1" baseline="0" dirty="0">
-              <a:solidFill>
-                <a:schemeClr val="accent4">
-                  <a:lumMod val="10000"/>
-                </a:schemeClr>
-              </a:solidFill>
-              <a:latin typeface="Times New Roman"/>
-              <a:cs typeface="Times New Roman"/>
-            </a:endParaRPr>
-          </a:p>
-          <a:p>
-            <a:pPr algn="just"/>
-            <a:endParaRPr lang="en-US" sz="3200" b="1" baseline="0" dirty="0">
-              <a:solidFill>
-                <a:schemeClr val="accent4">
-                  <a:lumMod val="10000"/>
-                </a:schemeClr>
-              </a:solidFill>
-              <a:latin typeface="Times New Roman"/>
-              <a:cs typeface="Times New Roman"/>
-            </a:endParaRPr>
-          </a:p>
-          <a:p>
-            <a:pPr algn="just"/>
-            <a:endParaRPr lang="en-US" sz="3200" b="1" baseline="0" dirty="0">
-              <a:solidFill>
-                <a:schemeClr val="accent4">
-                  <a:lumMod val="10000"/>
-                </a:schemeClr>
-              </a:solidFill>
-              <a:latin typeface="Times New Roman"/>
-              <a:cs typeface="Times New Roman"/>
-            </a:endParaRPr>
-          </a:p>
-        </p:txBody>
-      </p:sp>
-      <p:sp>
-        <p:nvSpPr>
-          <p:cNvPr id="121" name="Rectangle 120"/>
-          <p:cNvSpPr/>
-          <p:nvPr/>
-        </p:nvSpPr>
-        <p:spPr bwMode="auto">
-          <a:xfrm>
-            <a:off x="733139" y="15129976"/>
-            <a:ext cx="8926451" cy="2537434"/>
-          </a:xfrm>
-          <a:prstGeom prst="rect">
-            <a:avLst/>
-          </a:prstGeom>
-          <a:solidFill>
-            <a:schemeClr val="bg1"/>
-          </a:solidFill>
-          <a:ln w="38100" cap="flat" cmpd="sng" algn="ctr">
-            <a:noFill/>
-            <a:prstDash val="solid"/>
-            <a:round/>
-            <a:headEnd type="none" w="med" len="med"/>
-            <a:tailEnd type="none" w="med" len="med"/>
-          </a:ln>
-          <a:effectLst/>
-        </p:spPr>
-        <p:txBody>
-          <a:bodyPr vert="horz" wrap="square" lIns="91433" tIns="45717" rIns="91433" bIns="45717" numCol="1" rtlCol="0" anchor="t" anchorCtr="0" compatLnSpc="1">
-            <a:prstTxWarp prst="textNoShape">
-              <a:avLst/>
-            </a:prstTxWarp>
-          </a:bodyPr>
-          <a:lstStyle/>
-          <a:p>
-            <a:pPr algn="just"/>
-            <a:endParaRPr lang="en-US" sz="3200" b="1" baseline="0" dirty="0">
-              <a:solidFill>
-                <a:schemeClr val="accent4">
-                  <a:lumMod val="10000"/>
-                </a:schemeClr>
-              </a:solidFill>
-              <a:latin typeface="Times New Roman"/>
-              <a:cs typeface="Times New Roman"/>
-            </a:endParaRPr>
-          </a:p>
-          <a:p>
-            <a:pPr algn="just"/>
-            <a:endParaRPr lang="en-US" sz="3200" b="1" baseline="0" dirty="0">
-              <a:solidFill>
-                <a:schemeClr val="accent4">
-                  <a:lumMod val="10000"/>
-                </a:schemeClr>
-              </a:solidFill>
-              <a:latin typeface="Times New Roman"/>
-              <a:cs typeface="Times New Roman"/>
-            </a:endParaRPr>
-          </a:p>
-          <a:p>
-            <a:pPr algn="just"/>
-            <a:endParaRPr lang="en-US" sz="3200" b="1" baseline="0" dirty="0">
-              <a:solidFill>
-                <a:schemeClr val="accent4">
-                  <a:lumMod val="10000"/>
-                </a:schemeClr>
-              </a:solidFill>
-              <a:latin typeface="Times New Roman"/>
-              <a:cs typeface="Times New Roman"/>
-            </a:endParaRPr>
-          </a:p>
-        </p:txBody>
-      </p:sp>
-      <p:sp>
-        <p:nvSpPr>
-          <p:cNvPr id="117" name="Rectangle 116"/>
-          <p:cNvSpPr/>
-          <p:nvPr/>
-        </p:nvSpPr>
-        <p:spPr bwMode="auto">
-          <a:xfrm>
-            <a:off x="739521" y="17753244"/>
-            <a:ext cx="8910386" cy="1245955"/>
-          </a:xfrm>
-          <a:prstGeom prst="rect">
-            <a:avLst/>
-          </a:prstGeom>
-          <a:solidFill>
-            <a:schemeClr val="bg1">
-              <a:alpha val="91000"/>
-            </a:schemeClr>
-          </a:solidFill>
-          <a:ln w="38100" cap="flat" cmpd="sng" algn="ctr">
-            <a:noFill/>
-            <a:prstDash val="solid"/>
-            <a:round/>
-            <a:headEnd type="none" w="med" len="med"/>
-            <a:tailEnd type="none" w="med" len="med"/>
-          </a:ln>
-          <a:effectLst/>
-        </p:spPr>
-        <p:txBody>
-          <a:bodyPr vert="horz" wrap="square" lIns="91433" tIns="45717" rIns="91433" bIns="45717" numCol="1" rtlCol="0" anchor="t" anchorCtr="0" compatLnSpc="1">
-            <a:prstTxWarp prst="textNoShape">
-              <a:avLst/>
-            </a:prstTxWarp>
-          </a:bodyPr>
-          <a:lstStyle/>
-          <a:p>
-            <a:pPr algn="just"/>
-            <a:endParaRPr lang="en-US" sz="3200" b="1" baseline="0" dirty="0">
-              <a:solidFill>
-                <a:schemeClr val="accent4">
-                  <a:lumMod val="10000"/>
-                </a:schemeClr>
-              </a:solidFill>
-              <a:latin typeface="Times New Roman"/>
-              <a:cs typeface="Times New Roman"/>
-            </a:endParaRPr>
-          </a:p>
-          <a:p>
-            <a:pPr algn="just"/>
-            <a:endParaRPr lang="en-US" sz="3200" b="1" baseline="0" dirty="0">
-              <a:solidFill>
-                <a:schemeClr val="accent4">
-                  <a:lumMod val="10000"/>
-                </a:schemeClr>
-              </a:solidFill>
-              <a:latin typeface="Times New Roman"/>
-              <a:cs typeface="Times New Roman"/>
-            </a:endParaRPr>
-          </a:p>
-          <a:p>
-            <a:pPr algn="just"/>
-            <a:endParaRPr lang="en-US" sz="3200" b="1" baseline="0" dirty="0">
-              <a:solidFill>
-                <a:schemeClr val="accent4">
-                  <a:lumMod val="10000"/>
-                </a:schemeClr>
-              </a:solidFill>
-              <a:latin typeface="Times New Roman"/>
-              <a:cs typeface="Times New Roman"/>
-            </a:endParaRPr>
-          </a:p>
-        </p:txBody>
-      </p:sp>
       <p:pic>
         <p:nvPicPr>
           <p:cNvPr id="122" name="Picture 121" descr="4C_UC_Logo_Vertical.jpg"/>
@@ -4048,8 +4170,8 @@
         </p:blipFill>
         <p:spPr>
           <a:xfrm>
-            <a:off x="34921794" y="1012824"/>
-            <a:ext cx="2059172" cy="1977366"/>
+            <a:off x="292833" y="679584"/>
+            <a:ext cx="2466400" cy="2368416"/>
           </a:xfrm>
           <a:prstGeom prst="rect">
             <a:avLst/>
@@ -4064,16 +4186,14 @@
         </p:nvSpPr>
         <p:spPr>
           <a:xfrm>
-            <a:off x="908629" y="4021537"/>
-            <a:ext cx="31660195" cy="296324"/>
+            <a:off x="-1" y="4021537"/>
+            <a:ext cx="38684201" cy="296324"/>
           </a:xfrm>
           <a:prstGeom prst="rect">
             <a:avLst/>
           </a:prstGeom>
           <a:solidFill>
-            <a:schemeClr val="tx2">
-              <a:lumMod val="75000"/>
-            </a:schemeClr>
+            <a:schemeClr val="tx2"/>
           </a:solidFill>
           <a:ln>
             <a:noFill/>
@@ -4128,8 +4248,8 @@
         </p:blipFill>
         <p:spPr>
           <a:xfrm>
-            <a:off x="30013539" y="20116801"/>
-            <a:ext cx="6967427" cy="4644952"/>
+            <a:off x="2071799" y="28131611"/>
+            <a:ext cx="6146800" cy="4190115"/>
           </a:xfrm>
           <a:prstGeom prst="rect">
             <a:avLst/>
@@ -4158,8 +4278,8 @@
         </p:blipFill>
         <p:spPr>
           <a:xfrm>
-            <a:off x="10224415" y="13923486"/>
-            <a:ext cx="7550786" cy="4694714"/>
+            <a:off x="30693143" y="5129281"/>
+            <a:ext cx="6416257" cy="3989319"/>
           </a:xfrm>
           <a:prstGeom prst="rect">
             <a:avLst/>
@@ -4188,8 +4308,8 @@
         </p:blipFill>
         <p:spPr>
           <a:xfrm>
-            <a:off x="30010333" y="15494550"/>
-            <a:ext cx="6776081" cy="4517387"/>
+            <a:off x="2071798" y="23759138"/>
+            <a:ext cx="6146801" cy="4097867"/>
           </a:xfrm>
           <a:prstGeom prst="rect">
             <a:avLst/>
@@ -4218,8 +4338,8 @@
         </p:blipFill>
         <p:spPr>
           <a:xfrm>
-            <a:off x="2071799" y="4944431"/>
-            <a:ext cx="6949440" cy="3014057"/>
+            <a:off x="2071799" y="4944432"/>
+            <a:ext cx="6513401" cy="2824942"/>
           </a:xfrm>
           <a:prstGeom prst="rect">
             <a:avLst/>
@@ -4248,8 +4368,8 @@
         </p:blipFill>
         <p:spPr>
           <a:xfrm>
-            <a:off x="2071799" y="11478074"/>
-            <a:ext cx="6949440" cy="2929517"/>
+            <a:off x="2071799" y="11478075"/>
+            <a:ext cx="6513401" cy="2745706"/>
           </a:xfrm>
           <a:prstGeom prst="rect">
             <a:avLst/>
@@ -4279,7 +4399,7 @@
         <p:spPr>
           <a:xfrm>
             <a:off x="2071799" y="14749227"/>
-            <a:ext cx="6949440" cy="2937674"/>
+            <a:ext cx="6513401" cy="2753351"/>
           </a:xfrm>
           <a:prstGeom prst="rect">
             <a:avLst/>
@@ -4309,7 +4429,7 @@
         <p:spPr>
           <a:xfrm>
             <a:off x="2071799" y="17934330"/>
-            <a:ext cx="6949440" cy="2928922"/>
+            <a:ext cx="6513401" cy="2745148"/>
           </a:xfrm>
           <a:prstGeom prst="rect">
             <a:avLst/>
@@ -4339,7 +4459,7 @@
         <p:spPr>
           <a:xfrm>
             <a:off x="2071799" y="8289799"/>
-            <a:ext cx="6949440" cy="2937414"/>
+            <a:ext cx="6513401" cy="2753107"/>
           </a:xfrm>
           <a:prstGeom prst="rect">
             <a:avLst/>
@@ -4368,8 +4488,68 @@
         </p:blipFill>
         <p:spPr>
           <a:xfrm>
-            <a:off x="18872200" y="13845930"/>
-            <a:ext cx="6459071" cy="4517387"/>
+            <a:off x="30693143" y="9389431"/>
+            <a:ext cx="6416257" cy="4211856"/>
+          </a:xfrm>
+          <a:prstGeom prst="rect">
+            <a:avLst/>
+          </a:prstGeom>
+        </p:spPr>
+      </p:pic>
+      <p:pic>
+        <p:nvPicPr>
+          <p:cNvPr id="2" name="Picture 1" descr="322531.aspx.jpg"/>
+          <p:cNvPicPr>
+            <a:picLocks noChangeAspect="1"/>
+          </p:cNvPicPr>
+          <p:nvPr/>
+        </p:nvPicPr>
+        <p:blipFill>
+          <a:blip r:embed="rId16">
+            <a:extLst>
+              <a:ext uri="{28A0092B-C50C-407E-A947-70E740481C1C}">
+                <a14:useLocalDpi xmlns:a14="http://schemas.microsoft.com/office/drawing/2010/main" val="0"/>
+              </a:ext>
+            </a:extLst>
+          </a:blip>
+          <a:stretch>
+            <a:fillRect/>
+          </a:stretch>
+        </p:blipFill>
+        <p:spPr>
+          <a:xfrm>
+            <a:off x="33392730" y="21056600"/>
+            <a:ext cx="3716670" cy="3716670"/>
+          </a:xfrm>
+          <a:prstGeom prst="rect">
+            <a:avLst/>
+          </a:prstGeom>
+        </p:spPr>
+      </p:pic>
+      <p:pic>
+        <p:nvPicPr>
+          <p:cNvPr id="7" name="Picture 6" descr="322531.tiff"/>
+          <p:cNvPicPr>
+            <a:picLocks noChangeAspect="1"/>
+          </p:cNvPicPr>
+          <p:nvPr/>
+        </p:nvPicPr>
+        <p:blipFill>
+          <a:blip r:embed="rId17">
+            <a:extLst>
+              <a:ext uri="{28A0092B-C50C-407E-A947-70E740481C1C}">
+                <a14:useLocalDpi xmlns:a14="http://schemas.microsoft.com/office/drawing/2010/main" val="0"/>
+              </a:ext>
+            </a:extLst>
+          </a:blip>
+          <a:stretch>
+            <a:fillRect/>
+          </a:stretch>
+        </p:blipFill>
+        <p:spPr>
+          <a:xfrm>
+            <a:off x="29066356" y="14749227"/>
+            <a:ext cx="7246231" cy="4707880"/>
           </a:xfrm>
           <a:prstGeom prst="rect">
             <a:avLst/>
